--- a/期末報告_英文.pptx
+++ b/期末報告_英文.pptx
@@ -123,7 +123,18 @@
   </p:defaultTextStyle>
   <p:extLst>
     <p:ext uri="{EFAFB233-063F-42B5-8137-9DF3F51BA10A}">
-      <p15:sldGuideLst xmlns="" xmlns:p15="http://schemas.microsoft.com/office/powerpoint/2012/main"/>
+      <p15:sldGuideLst xmlns="" xmlns:p15="http://schemas.microsoft.com/office/powerpoint/2012/main">
+        <p15:guide id="1" orient="horz" pos="2160">
+          <p15:clr>
+            <a:srgbClr val="A4A3A4"/>
+          </p15:clr>
+        </p15:guide>
+        <p15:guide id="2" pos="3840">
+          <p15:clr>
+            <a:srgbClr val="A4A3A4"/>
+          </p15:clr>
+        </p15:guide>
+      </p15:sldGuideLst>
     </p:ext>
   </p:extLst>
 </p:presentation>
@@ -211,7 +222,7 @@
           <a:p>
             <a:fld id="{B2396A5E-44A9-4587-A04A-586DA67985D6}" type="datetimeFigureOut">
               <a:rPr lang="zh-TW" altLang="en-US" smtClean="0"/>
-              <a:t>2019/11/11</a:t>
+              <a:t>2019/11/13</a:t>
             </a:fld>
             <a:endParaRPr lang="zh-TW" altLang="en-US"/>
           </a:p>
@@ -376,7 +387,7 @@
           <a:p>
             <a:fld id="{86AA0A92-6E47-4F5F-850B-876FDE159DEF}" type="datetimeFigureOut">
               <a:rPr lang="zh-TW" altLang="en-US" smtClean="0"/>
-              <a:t>2019/11/11</a:t>
+              <a:t>2019/11/13</a:t>
             </a:fld>
             <a:endParaRPr lang="zh-TW" altLang="en-US"/>
           </a:p>
@@ -1112,7 +1123,7 @@
             <a:fld id="{B61BEF0D-F0BB-DE4B-95CE-6DB70DBA9567}" type="datetimeFigureOut">
               <a:rPr lang="en-US" smtClean="0"/>
               <a:pPr/>
-              <a:t>11/11/2019</a:t>
+              <a:t>11/13/2019</a:t>
             </a:fld>
             <a:endParaRPr lang="en-US" dirty="0"/>
           </a:p>
@@ -1283,7 +1294,7 @@
           <a:p>
             <a:fld id="{55C6B4A9-1611-4792-9094-5F34BCA07E0B}" type="datetimeFigureOut">
               <a:rPr lang="en-US" smtClean="0"/>
-              <a:t>11/11/2019</a:t>
+              <a:t>11/13/2019</a:t>
             </a:fld>
             <a:endParaRPr lang="en-US" dirty="0"/>
           </a:p>
@@ -1464,7 +1475,7 @@
             <a:fld id="{B61BEF0D-F0BB-DE4B-95CE-6DB70DBA9567}" type="datetimeFigureOut">
               <a:rPr lang="en-US" smtClean="0"/>
               <a:pPr/>
-              <a:t>11/11/2019</a:t>
+              <a:t>11/13/2019</a:t>
             </a:fld>
             <a:endParaRPr lang="en-US" dirty="0"/>
           </a:p>
@@ -1636,7 +1647,7 @@
             <a:fld id="{B61BEF0D-F0BB-DE4B-95CE-6DB70DBA9567}" type="datetimeFigureOut">
               <a:rPr lang="en-US" smtClean="0"/>
               <a:pPr/>
-              <a:t>11/11/2019</a:t>
+              <a:t>11/13/2019</a:t>
             </a:fld>
             <a:endParaRPr lang="en-US" dirty="0"/>
           </a:p>
@@ -1884,7 +1895,7 @@
             <a:fld id="{B61BEF0D-F0BB-DE4B-95CE-6DB70DBA9567}" type="datetimeFigureOut">
               <a:rPr lang="en-US" smtClean="0"/>
               <a:pPr/>
-              <a:t>11/11/2019</a:t>
+              <a:t>11/13/2019</a:t>
             </a:fld>
             <a:endParaRPr lang="en-US" dirty="0"/>
           </a:p>
@@ -2117,7 +2128,7 @@
           <a:p>
             <a:fld id="{EB712588-04B1-427B-82EE-E8DB90309F08}" type="datetimeFigureOut">
               <a:rPr lang="en-US" smtClean="0"/>
-              <a:t>11/11/2019</a:t>
+              <a:t>11/13/2019</a:t>
             </a:fld>
             <a:endParaRPr lang="en-US" dirty="0"/>
           </a:p>
@@ -2485,7 +2496,7 @@
             <a:fld id="{B61BEF0D-F0BB-DE4B-95CE-6DB70DBA9567}" type="datetimeFigureOut">
               <a:rPr lang="en-US" smtClean="0"/>
               <a:pPr/>
-              <a:t>11/11/2019</a:t>
+              <a:t>11/13/2019</a:t>
             </a:fld>
             <a:endParaRPr lang="en-US" dirty="0"/>
           </a:p>
@@ -2605,7 +2616,7 @@
             <a:fld id="{B61BEF0D-F0BB-DE4B-95CE-6DB70DBA9567}" type="datetimeFigureOut">
               <a:rPr lang="en-US" smtClean="0"/>
               <a:pPr/>
-              <a:t>11/11/2019</a:t>
+              <a:t>11/13/2019</a:t>
             </a:fld>
             <a:endParaRPr lang="en-US" dirty="0"/>
           </a:p>
@@ -2702,7 +2713,7 @@
             <a:fld id="{B61BEF0D-F0BB-DE4B-95CE-6DB70DBA9567}" type="datetimeFigureOut">
               <a:rPr lang="en-US" smtClean="0"/>
               <a:pPr/>
-              <a:t>11/11/2019</a:t>
+              <a:t>11/13/2019</a:t>
             </a:fld>
             <a:endParaRPr lang="en-US" dirty="0"/>
           </a:p>
@@ -2980,7 +2991,7 @@
           <a:p>
             <a:fld id="{42A54C80-263E-416B-A8E0-580EDEADCBDC}" type="datetimeFigureOut">
               <a:rPr lang="en-US" smtClean="0"/>
-              <a:t>11/11/2019</a:t>
+              <a:t>11/13/2019</a:t>
             </a:fld>
             <a:endParaRPr lang="en-US" dirty="0"/>
           </a:p>
@@ -3234,7 +3245,7 @@
             <a:fld id="{B61BEF0D-F0BB-DE4B-95CE-6DB70DBA9567}" type="datetimeFigureOut">
               <a:rPr lang="en-US" smtClean="0"/>
               <a:pPr/>
-              <a:t>11/11/2019</a:t>
+              <a:t>11/13/2019</a:t>
             </a:fld>
             <a:endParaRPr lang="en-US" dirty="0"/>
           </a:p>
@@ -3449,7 +3460,7 @@
             <a:fld id="{B61BEF0D-F0BB-DE4B-95CE-6DB70DBA9567}" type="datetimeFigureOut">
               <a:rPr lang="en-US" smtClean="0"/>
               <a:pPr/>
-              <a:t>11/11/2019</a:t>
+              <a:t>11/13/2019</a:t>
             </a:fld>
             <a:endParaRPr lang="en-US" dirty="0"/>
           </a:p>
@@ -4075,11 +4086,13 @@
         </p:nvSpPr>
         <p:spPr/>
         <p:txBody>
-          <a:bodyPr/>
+          <a:bodyPr>
+            <a:normAutofit/>
+          </a:bodyPr>
           <a:lstStyle/>
           <a:p>
             <a:r>
-              <a:rPr lang="en-US" altLang="zh-TW" dirty="0">
+              <a:rPr lang="en-US" altLang="zh-TW" sz="2600" dirty="0">
                 <a:latin typeface="Times New Roman" panose="02020603050405020304" pitchFamily="18" charset="0"/>
                 <a:ea typeface="標楷體" panose="03000509000000000000" pitchFamily="65" charset="-120"/>
                 <a:cs typeface="Times New Roman" panose="02020603050405020304" pitchFamily="18" charset="0"/>
@@ -4087,7 +4100,7 @@
               <a:t>Considering the upgrade cost of the machine and the flexibility of the equipment </a:t>
             </a:r>
             <a:r>
-              <a:rPr lang="en-US" altLang="zh-TW" dirty="0" smtClean="0">
+              <a:rPr lang="en-US" altLang="zh-TW" sz="2600" dirty="0" smtClean="0">
                 <a:latin typeface="Times New Roman" panose="02020603050405020304" pitchFamily="18" charset="0"/>
                 <a:ea typeface="標楷體" panose="03000509000000000000" pitchFamily="65" charset="-120"/>
                 <a:cs typeface="Times New Roman" panose="02020603050405020304" pitchFamily="18" charset="0"/>
@@ -4095,15 +4108,23 @@
               <a:t>expansion, we </a:t>
             </a:r>
             <a:r>
-              <a:rPr lang="en-US" altLang="zh-TW" dirty="0">
-                <a:latin typeface="Times New Roman" panose="02020603050405020304" pitchFamily="18" charset="0"/>
-                <a:ea typeface="標楷體" panose="03000509000000000000" pitchFamily="65" charset="-120"/>
-                <a:cs typeface="Times New Roman" panose="02020603050405020304" pitchFamily="18" charset="0"/>
-              </a:rPr>
-              <a:t>propose the "OPC-based UA machine information monitoring system" </a:t>
-            </a:r>
-            <a:r>
-              <a:rPr lang="en-US" altLang="zh-TW" dirty="0" smtClean="0">
+              <a:rPr lang="en-US" altLang="zh-TW" sz="2600" dirty="0">
+                <a:latin typeface="Times New Roman" panose="02020603050405020304" pitchFamily="18" charset="0"/>
+                <a:ea typeface="標楷體" panose="03000509000000000000" pitchFamily="65" charset="-120"/>
+                <a:cs typeface="Times New Roman" panose="02020603050405020304" pitchFamily="18" charset="0"/>
+              </a:rPr>
+              <a:t>propose the </a:t>
+            </a:r>
+            <a:r>
+              <a:rPr lang="en-US" altLang="zh-TW" sz="2600" dirty="0">
+                <a:latin typeface="Times New Roman" panose="02020603050405020304" pitchFamily="18" charset="0"/>
+                <a:ea typeface="標楷體" panose="03000509000000000000" pitchFamily="65" charset="-120"/>
+                <a:cs typeface="Times New Roman" panose="02020603050405020304" pitchFamily="18" charset="0"/>
+              </a:rPr>
+              <a:t>"Machine Real-Time Monitoring System Base On OPC UA" </a:t>
+            </a:r>
+            <a:r>
+              <a:rPr lang="en-US" altLang="zh-TW" sz="2600" dirty="0" smtClean="0">
                 <a:latin typeface="Times New Roman" panose="02020603050405020304" pitchFamily="18" charset="0"/>
                 <a:ea typeface="標楷體" panose="03000509000000000000" pitchFamily="65" charset="-120"/>
                 <a:cs typeface="Times New Roman" panose="02020603050405020304" pitchFamily="18" charset="0"/>
@@ -4113,7 +4134,7 @@
           </a:p>
           <a:p>
             <a:r>
-              <a:rPr lang="en-US" altLang="zh-TW" dirty="0" smtClean="0">
+              <a:rPr lang="en-US" altLang="zh-TW" sz="2600" dirty="0" smtClean="0">
                 <a:latin typeface="Times New Roman" panose="02020603050405020304" pitchFamily="18" charset="0"/>
                 <a:ea typeface="標楷體" panose="03000509000000000000" pitchFamily="65" charset="-120"/>
                 <a:cs typeface="Times New Roman" panose="02020603050405020304" pitchFamily="18" charset="0"/>
@@ -4123,7 +4144,7 @@
           </a:p>
           <a:p>
             <a:r>
-              <a:rPr lang="en-US" altLang="zh-TW" dirty="0" smtClean="0">
+              <a:rPr lang="en-US" altLang="zh-TW" sz="2600" dirty="0" smtClean="0">
                 <a:latin typeface="Times New Roman" panose="02020603050405020304" pitchFamily="18" charset="0"/>
                 <a:ea typeface="標楷體" panose="03000509000000000000" pitchFamily="65" charset="-120"/>
                 <a:cs typeface="Times New Roman" panose="02020603050405020304" pitchFamily="18" charset="0"/>
@@ -4133,7 +4154,7 @@
           </a:p>
           <a:p>
             <a:r>
-              <a:rPr lang="en-US" altLang="zh-TW" dirty="0">
+              <a:rPr lang="en-US" altLang="zh-TW" sz="2600" dirty="0">
                 <a:latin typeface="Times New Roman" panose="02020603050405020304" pitchFamily="18" charset="0"/>
                 <a:ea typeface="標楷體" panose="03000509000000000000" pitchFamily="65" charset="-120"/>
                 <a:cs typeface="Times New Roman" panose="02020603050405020304" pitchFamily="18" charset="0"/>
@@ -4141,7 +4162,7 @@
               <a:t>Need to be </a:t>
             </a:r>
             <a:r>
-              <a:rPr lang="en-US" altLang="zh-TW" dirty="0" smtClean="0">
+              <a:rPr lang="en-US" altLang="zh-TW" sz="2600" dirty="0" smtClean="0">
                 <a:latin typeface="Times New Roman" panose="02020603050405020304" pitchFamily="18" charset="0"/>
                 <a:ea typeface="標楷體" panose="03000509000000000000" pitchFamily="65" charset="-120"/>
                 <a:cs typeface="Times New Roman" panose="02020603050405020304" pitchFamily="18" charset="0"/>
@@ -4151,14 +4172,14 @@
           </a:p>
           <a:p>
             <a:r>
-              <a:rPr lang="en-US" altLang="zh-TW" dirty="0">
+              <a:rPr lang="en-US" altLang="zh-TW" sz="2600" dirty="0">
                 <a:latin typeface="Times New Roman" panose="02020603050405020304" pitchFamily="18" charset="0"/>
                 <a:ea typeface="標楷體" panose="03000509000000000000" pitchFamily="65" charset="-120"/>
                 <a:cs typeface="Times New Roman" panose="02020603050405020304" pitchFamily="18" charset="0"/>
               </a:rPr>
               <a:t>Improve the ability of traditional manufacturing information integration.</a:t>
             </a:r>
-            <a:endParaRPr lang="zh-TW" altLang="en-US" dirty="0">
+            <a:endParaRPr lang="zh-TW" altLang="en-US" sz="2600" dirty="0">
               <a:latin typeface="Times New Roman" panose="02020603050405020304" pitchFamily="18" charset="0"/>
               <a:ea typeface="標楷體" panose="03000509000000000000" pitchFamily="65" charset="-120"/>
               <a:cs typeface="Times New Roman" panose="02020603050405020304" pitchFamily="18" charset="0"/>
@@ -4680,39 +4701,86 @@
         <p:spPr/>
         <p:txBody>
           <a:bodyPr>
-            <a:normAutofit fontScale="92500" lnSpcReduction="10000"/>
+            <a:normAutofit/>
           </a:bodyPr>
           <a:lstStyle/>
           <a:p>
             <a:r>
-              <a:rPr lang="en-US" altLang="zh-TW" dirty="0" smtClean="0">
+              <a:rPr lang="en-US" altLang="zh-TW" sz="2600" dirty="0" smtClean="0">
                 <a:latin typeface="Times New Roman" pitchFamily="18" charset="0"/>
                 <a:cs typeface="Times New Roman" pitchFamily="18" charset="0"/>
               </a:rPr>
-              <a:t>Assist in Upgrading Industries</a:t>
-            </a:r>
-            <a:r>
-              <a:rPr lang="en-US" altLang="zh-TW" dirty="0" smtClean="0">
-                <a:latin typeface="Times New Roman" panose="02020603050405020304" pitchFamily="18" charset="0"/>
-                <a:ea typeface="標楷體" panose="03000509000000000000" pitchFamily="65" charset="-120"/>
-                <a:cs typeface="Times New Roman" panose="02020603050405020304" pitchFamily="18" charset="0"/>
-              </a:rPr>
-              <a:t>, Towards </a:t>
-            </a:r>
-            <a:r>
-              <a:rPr lang="en-US" altLang="zh-TW" dirty="0" smtClean="0">
+              <a:t>Assist in </a:t>
+            </a:r>
+            <a:r>
+              <a:rPr lang="en-US" altLang="zh-TW" sz="2600" dirty="0" smtClean="0">
                 <a:latin typeface="Times New Roman" pitchFamily="18" charset="0"/>
                 <a:cs typeface="Times New Roman" pitchFamily="18" charset="0"/>
               </a:rPr>
+              <a:t>Upgrading Industries</a:t>
+            </a:r>
+            <a:r>
+              <a:rPr lang="en-US" altLang="zh-TW" sz="2600" dirty="0" smtClean="0">
+                <a:latin typeface="Times New Roman" panose="02020603050405020304" pitchFamily="18" charset="0"/>
+                <a:ea typeface="標楷體" panose="03000509000000000000" pitchFamily="65" charset="-120"/>
+                <a:cs typeface="Times New Roman" panose="02020603050405020304" pitchFamily="18" charset="0"/>
+              </a:rPr>
+              <a:t>, Towards </a:t>
+            </a:r>
+            <a:r>
+              <a:rPr lang="en-US" altLang="zh-TW" sz="2600" dirty="0" smtClean="0">
+                <a:latin typeface="Times New Roman" pitchFamily="18" charset="0"/>
+                <a:cs typeface="Times New Roman" pitchFamily="18" charset="0"/>
+              </a:rPr>
               <a:t>Industry 4.0</a:t>
             </a:r>
             <a:r>
+              <a:rPr lang="en-US" altLang="zh-TW" sz="2600" dirty="0">
+                <a:latin typeface="Times New Roman" panose="02020603050405020304" pitchFamily="18" charset="0"/>
+                <a:ea typeface="標楷體" panose="03000509000000000000" pitchFamily="65" charset="-120"/>
+                <a:cs typeface="Times New Roman" panose="02020603050405020304" pitchFamily="18" charset="0"/>
+              </a:rPr>
+              <a:t>:Smart </a:t>
+            </a:r>
+            <a:r>
+              <a:rPr lang="en-US" altLang="zh-TW" sz="2600" dirty="0" smtClean="0">
+                <a:latin typeface="Times New Roman" panose="02020603050405020304" pitchFamily="18" charset="0"/>
+                <a:ea typeface="標楷體" panose="03000509000000000000" pitchFamily="65" charset="-120"/>
+                <a:cs typeface="Times New Roman" panose="02020603050405020304" pitchFamily="18" charset="0"/>
+              </a:rPr>
+              <a:t>Manufacturing</a:t>
+            </a:r>
+            <a:r>
+              <a:rPr lang="en-US" altLang="zh-TW" sz="2600" dirty="0">
+                <a:latin typeface="Times New Roman" panose="02020603050405020304" pitchFamily="18" charset="0"/>
+                <a:ea typeface="標楷體" panose="03000509000000000000" pitchFamily="65" charset="-120"/>
+                <a:cs typeface="Times New Roman" panose="02020603050405020304" pitchFamily="18" charset="0"/>
+              </a:rPr>
+              <a:t>.</a:t>
+            </a:r>
+            <a:endParaRPr lang="en-US" altLang="zh-TW" sz="2600" dirty="0" smtClean="0">
+              <a:latin typeface="Times New Roman" panose="02020603050405020304" pitchFamily="18" charset="0"/>
+              <a:ea typeface="標楷體" panose="03000509000000000000" pitchFamily="65" charset="-120"/>
+              <a:cs typeface="Times New Roman" panose="02020603050405020304" pitchFamily="18" charset="0"/>
+            </a:endParaRPr>
+          </a:p>
+          <a:p>
+            <a:pPr lvl="1"/>
+            <a:r>
+              <a:rPr lang="en-US" altLang="zh-TW" dirty="0" smtClean="0">
+                <a:latin typeface="Times New Roman" panose="02020603050405020304" pitchFamily="18" charset="0"/>
+                <a:ea typeface="標楷體" panose="03000509000000000000" pitchFamily="65" charset="-120"/>
+                <a:cs typeface="Times New Roman" panose="02020603050405020304" pitchFamily="18" charset="0"/>
+              </a:rPr>
+              <a:t>It’s </a:t>
+            </a:r>
+            <a:r>
               <a:rPr lang="en-US" altLang="zh-TW" dirty="0">
                 <a:latin typeface="Times New Roman" panose="02020603050405020304" pitchFamily="18" charset="0"/>
                 <a:ea typeface="標楷體" panose="03000509000000000000" pitchFamily="65" charset="-120"/>
                 <a:cs typeface="Times New Roman" panose="02020603050405020304" pitchFamily="18" charset="0"/>
               </a:rPr>
-              <a:t>:Smart </a:t>
+              <a:t>very difficult to replace the </a:t>
             </a:r>
             <a:r>
               <a:rPr lang="en-US" altLang="zh-TW" dirty="0" smtClean="0">
@@ -4720,7 +4788,7 @@
                 <a:ea typeface="標楷體" panose="03000509000000000000" pitchFamily="65" charset="-120"/>
                 <a:cs typeface="Times New Roman" panose="02020603050405020304" pitchFamily="18" charset="0"/>
               </a:rPr>
-              <a:t>Manufacturing</a:t>
+              <a:t>new machine</a:t>
             </a:r>
             <a:r>
               <a:rPr lang="en-US" altLang="zh-TW" dirty="0">
@@ -4739,52 +4807,121 @@
           <a:p>
             <a:pPr lvl="1"/>
             <a:r>
+              <a:rPr lang="en-US" altLang="zh-TW" dirty="0" smtClean="0">
+                <a:latin typeface="Times New Roman" panose="02020603050405020304" pitchFamily="18" charset="0"/>
+                <a:ea typeface="標楷體" panose="03000509000000000000" pitchFamily="65" charset="-120"/>
+                <a:cs typeface="Times New Roman" panose="02020603050405020304" pitchFamily="18" charset="0"/>
+              </a:rPr>
+              <a:t>Cost too high.</a:t>
+            </a:r>
+          </a:p>
+          <a:p>
+            <a:r>
               <a:rPr lang="en-US" altLang="zh-TW" sz="2600" dirty="0" smtClean="0">
                 <a:latin typeface="Times New Roman" panose="02020603050405020304" pitchFamily="18" charset="0"/>
                 <a:ea typeface="標楷體" panose="03000509000000000000" pitchFamily="65" charset="-120"/>
                 <a:cs typeface="Times New Roman" panose="02020603050405020304" pitchFamily="18" charset="0"/>
               </a:rPr>
-              <a:t>It’s </a:t>
-            </a:r>
-            <a:r>
-              <a:rPr lang="en-US" altLang="zh-TW" sz="2600" dirty="0">
-                <a:latin typeface="Times New Roman" panose="02020603050405020304" pitchFamily="18" charset="0"/>
-                <a:ea typeface="標楷體" panose="03000509000000000000" pitchFamily="65" charset="-120"/>
-                <a:cs typeface="Times New Roman" panose="02020603050405020304" pitchFamily="18" charset="0"/>
-              </a:rPr>
-              <a:t>very difficult to replace the </a:t>
-            </a:r>
+              <a:t>Collecting Machine Data.</a:t>
+            </a:r>
+          </a:p>
+          <a:p>
+            <a:pPr lvl="1"/>
+            <a:r>
+              <a:rPr lang="en-US" altLang="zh-TW" dirty="0" smtClean="0">
+                <a:latin typeface="Times New Roman" panose="02020603050405020304" pitchFamily="18" charset="0"/>
+                <a:ea typeface="標楷體" panose="03000509000000000000" pitchFamily="65" charset="-120"/>
+                <a:cs typeface="Times New Roman" panose="02020603050405020304" pitchFamily="18" charset="0"/>
+              </a:rPr>
+              <a:t>Add sensor. </a:t>
+            </a:r>
+          </a:p>
+          <a:p>
+            <a:pPr lvl="1"/>
+            <a:r>
+              <a:rPr lang="en-US" altLang="zh-TW" dirty="0">
+                <a:latin typeface="Times New Roman" panose="02020603050405020304" pitchFamily="18" charset="0"/>
+                <a:ea typeface="標楷體" panose="03000509000000000000" pitchFamily="65" charset="-120"/>
+                <a:cs typeface="Times New Roman" panose="02020603050405020304" pitchFamily="18" charset="0"/>
+              </a:rPr>
+              <a:t>Read the existing information of the </a:t>
+            </a:r>
+            <a:r>
+              <a:rPr lang="en-US" altLang="zh-TW" dirty="0" smtClean="0">
+                <a:latin typeface="Times New Roman" panose="02020603050405020304" pitchFamily="18" charset="0"/>
+                <a:ea typeface="標楷體" panose="03000509000000000000" pitchFamily="65" charset="-120"/>
+                <a:cs typeface="Times New Roman" panose="02020603050405020304" pitchFamily="18" charset="0"/>
+              </a:rPr>
+              <a:t>machine. </a:t>
+            </a:r>
+          </a:p>
+          <a:p>
             <a:r>
               <a:rPr lang="en-US" altLang="zh-TW" sz="2600" dirty="0" smtClean="0">
                 <a:latin typeface="Times New Roman" panose="02020603050405020304" pitchFamily="18" charset="0"/>
                 <a:ea typeface="標楷體" panose="03000509000000000000" pitchFamily="65" charset="-120"/>
                 <a:cs typeface="Times New Roman" panose="02020603050405020304" pitchFamily="18" charset="0"/>
               </a:rPr>
-              <a:t>new machine</a:t>
-            </a:r>
-            <a:r>
-              <a:rPr lang="en-US" altLang="zh-TW" sz="2600" dirty="0">
+              <a:t>Base on industrial communication standard: OPC UA protocol, develop a system with data collection and monitoring. </a:t>
+            </a:r>
+          </a:p>
+          <a:p>
+            <a:pPr lvl="1"/>
+            <a:r>
+              <a:rPr lang="en-US" altLang="zh-TW" dirty="0" smtClean="0">
+                <a:latin typeface="Times New Roman" panose="02020603050405020304" pitchFamily="18" charset="0"/>
+                <a:ea typeface="標楷體" panose="03000509000000000000" pitchFamily="65" charset="-120"/>
+                <a:cs typeface="Times New Roman" panose="02020603050405020304" pitchFamily="18" charset="0"/>
+              </a:rPr>
+              <a:t>Transfer data to server use </a:t>
+            </a:r>
+            <a:r>
+              <a:rPr lang="en-US" altLang="zh-TW" dirty="0" err="1" smtClean="0">
+                <a:latin typeface="Times New Roman" panose="02020603050405020304" pitchFamily="18" charset="0"/>
+                <a:ea typeface="標楷體" panose="03000509000000000000" pitchFamily="65" charset="-120"/>
+                <a:cs typeface="Times New Roman" panose="02020603050405020304" pitchFamily="18" charset="0"/>
+              </a:rPr>
+              <a:t>wifi</a:t>
+            </a:r>
+            <a:r>
+              <a:rPr lang="en-US" altLang="zh-TW" dirty="0" smtClean="0">
+                <a:latin typeface="Times New Roman" panose="02020603050405020304" pitchFamily="18" charset="0"/>
+                <a:ea typeface="標楷體" panose="03000509000000000000" pitchFamily="65" charset="-120"/>
+                <a:cs typeface="Times New Roman" panose="02020603050405020304" pitchFamily="18" charset="0"/>
+              </a:rPr>
+              <a:t> </a:t>
+            </a:r>
+            <a:r>
+              <a:rPr lang="en-US" altLang="zh-TW" dirty="0">
+                <a:latin typeface="Times New Roman" panose="02020603050405020304" pitchFamily="18" charset="0"/>
+                <a:ea typeface="標楷體" panose="03000509000000000000" pitchFamily="65" charset="-120"/>
+                <a:cs typeface="Times New Roman" panose="02020603050405020304" pitchFamily="18" charset="0"/>
+              </a:rPr>
+              <a:t>or </a:t>
+            </a:r>
+            <a:r>
+              <a:rPr lang="en-US" altLang="zh-TW" dirty="0" err="1">
+                <a:latin typeface="Times New Roman" panose="02020603050405020304" pitchFamily="18" charset="0"/>
+                <a:ea typeface="標楷體" panose="03000509000000000000" pitchFamily="65" charset="-120"/>
+                <a:cs typeface="Times New Roman" panose="02020603050405020304" pitchFamily="18" charset="0"/>
+              </a:rPr>
+              <a:t>b</a:t>
+            </a:r>
+            <a:r>
+              <a:rPr lang="en-US" altLang="zh-TW" dirty="0" err="1" smtClean="0">
+                <a:latin typeface="Times New Roman" panose="02020603050405020304" pitchFamily="18" charset="0"/>
+                <a:ea typeface="標楷體" panose="03000509000000000000" pitchFamily="65" charset="-120"/>
+                <a:cs typeface="Times New Roman" panose="02020603050405020304" pitchFamily="18" charset="0"/>
+              </a:rPr>
+              <a:t>luetooth</a:t>
+            </a:r>
+            <a:r>
+              <a:rPr lang="en-US" altLang="zh-TW" dirty="0">
                 <a:latin typeface="Times New Roman" panose="02020603050405020304" pitchFamily="18" charset="0"/>
                 <a:ea typeface="標楷體" panose="03000509000000000000" pitchFamily="65" charset="-120"/>
                 <a:cs typeface="Times New Roman" panose="02020603050405020304" pitchFamily="18" charset="0"/>
               </a:rPr>
               <a:t>.</a:t>
-            </a:r>
-            <a:endParaRPr lang="en-US" altLang="zh-TW" sz="2600" dirty="0" smtClean="0">
-              <a:latin typeface="Times New Roman" panose="02020603050405020304" pitchFamily="18" charset="0"/>
-              <a:ea typeface="標楷體" panose="03000509000000000000" pitchFamily="65" charset="-120"/>
-              <a:cs typeface="Times New Roman" panose="02020603050405020304" pitchFamily="18" charset="0"/>
-            </a:endParaRPr>
-          </a:p>
-          <a:p>
-            <a:pPr lvl="1"/>
-            <a:r>
-              <a:rPr lang="en-US" altLang="zh-TW" sz="2600" dirty="0" smtClean="0">
-                <a:latin typeface="Times New Roman" panose="02020603050405020304" pitchFamily="18" charset="0"/>
-                <a:ea typeface="標楷體" panose="03000509000000000000" pitchFamily="65" charset="-120"/>
-                <a:cs typeface="Times New Roman" panose="02020603050405020304" pitchFamily="18" charset="0"/>
-              </a:rPr>
-              <a:t>Cost too high.</a:t>
             </a:r>
             <a:endParaRPr lang="en-US" altLang="zh-TW" dirty="0" smtClean="0">
               <a:latin typeface="Times New Roman" panose="02020603050405020304" pitchFamily="18" charset="0"/>
@@ -4793,208 +4930,17 @@
             </a:endParaRPr>
           </a:p>
           <a:p>
+            <a:pPr lvl="1"/>
+            <a:r>
+              <a:rPr lang="en-US" altLang="zh-TW" dirty="0">
+                <a:latin typeface="Times New Roman" panose="02020603050405020304" pitchFamily="18" charset="0"/>
+                <a:ea typeface="標楷體" panose="03000509000000000000" pitchFamily="65" charset="-120"/>
+                <a:cs typeface="Times New Roman" panose="02020603050405020304" pitchFamily="18" charset="0"/>
+              </a:rPr>
+              <a:t>Display </a:t>
+            </a:r>
             <a:r>
               <a:rPr lang="en-US" altLang="zh-TW" dirty="0" smtClean="0">
-                <a:latin typeface="Times New Roman" panose="02020603050405020304" pitchFamily="18" charset="0"/>
-                <a:ea typeface="標楷體" panose="03000509000000000000" pitchFamily="65" charset="-120"/>
-                <a:cs typeface="Times New Roman" panose="02020603050405020304" pitchFamily="18" charset="0"/>
-              </a:rPr>
-              <a:t>Collecting Machine Data.</a:t>
-            </a:r>
-          </a:p>
-          <a:p>
-            <a:pPr lvl="1"/>
-            <a:r>
-              <a:rPr lang="en-US" altLang="zh-TW" sz="2600" dirty="0" smtClean="0">
-                <a:latin typeface="Times New Roman" panose="02020603050405020304" pitchFamily="18" charset="0"/>
-                <a:ea typeface="標楷體" panose="03000509000000000000" pitchFamily="65" charset="-120"/>
-                <a:cs typeface="Times New Roman" panose="02020603050405020304" pitchFamily="18" charset="0"/>
-              </a:rPr>
-              <a:t>Add sensor. </a:t>
-            </a:r>
-          </a:p>
-          <a:p>
-            <a:pPr lvl="1"/>
-            <a:r>
-              <a:rPr lang="en-US" altLang="zh-TW" sz="2600" dirty="0">
-                <a:latin typeface="Times New Roman" panose="02020603050405020304" pitchFamily="18" charset="0"/>
-                <a:ea typeface="標楷體" panose="03000509000000000000" pitchFamily="65" charset="-120"/>
-                <a:cs typeface="Times New Roman" panose="02020603050405020304" pitchFamily="18" charset="0"/>
-              </a:rPr>
-              <a:t>Read the existing information of the machine and add the ability to share </a:t>
-            </a:r>
-            <a:r>
-              <a:rPr lang="en-US" altLang="zh-TW" sz="2600" dirty="0" smtClean="0">
-                <a:latin typeface="Times New Roman" panose="02020603050405020304" pitchFamily="18" charset="0"/>
-                <a:ea typeface="標楷體" panose="03000509000000000000" pitchFamily="65" charset="-120"/>
-                <a:cs typeface="Times New Roman" panose="02020603050405020304" pitchFamily="18" charset="0"/>
-              </a:rPr>
-              <a:t>data for </a:t>
-            </a:r>
-            <a:r>
-              <a:rPr lang="en-US" altLang="zh-TW" sz="2600" dirty="0">
-                <a:latin typeface="Times New Roman" panose="02020603050405020304" pitchFamily="18" charset="0"/>
-                <a:ea typeface="標楷體" panose="03000509000000000000" pitchFamily="65" charset="-120"/>
-                <a:cs typeface="Times New Roman" panose="02020603050405020304" pitchFamily="18" charset="0"/>
-              </a:rPr>
-              <a:t>the traditional </a:t>
-            </a:r>
-            <a:r>
-              <a:rPr lang="en-US" altLang="zh-TW" sz="2600" dirty="0" smtClean="0">
-                <a:latin typeface="Times New Roman" panose="02020603050405020304" pitchFamily="18" charset="0"/>
-                <a:ea typeface="標楷體" panose="03000509000000000000" pitchFamily="65" charset="-120"/>
-                <a:cs typeface="Times New Roman" panose="02020603050405020304" pitchFamily="18" charset="0"/>
-              </a:rPr>
-              <a:t>machine. </a:t>
-            </a:r>
-            <a:endParaRPr lang="en-US" altLang="zh-TW" dirty="0" smtClean="0">
-              <a:latin typeface="Times New Roman" panose="02020603050405020304" pitchFamily="18" charset="0"/>
-              <a:ea typeface="標楷體" panose="03000509000000000000" pitchFamily="65" charset="-120"/>
-              <a:cs typeface="Times New Roman" panose="02020603050405020304" pitchFamily="18" charset="0"/>
-            </a:endParaRPr>
-          </a:p>
-          <a:p>
-            <a:r>
-              <a:rPr lang="en-US" altLang="zh-TW" dirty="0">
-                <a:latin typeface="Times New Roman" panose="02020603050405020304" pitchFamily="18" charset="0"/>
-                <a:ea typeface="標楷體" panose="03000509000000000000" pitchFamily="65" charset="-120"/>
-                <a:cs typeface="Times New Roman" panose="02020603050405020304" pitchFamily="18" charset="0"/>
-              </a:rPr>
-              <a:t>Base on </a:t>
-            </a:r>
-            <a:r>
-              <a:rPr lang="en-US" altLang="zh-TW" dirty="0" smtClean="0">
-                <a:latin typeface="Times New Roman" panose="02020603050405020304" pitchFamily="18" charset="0"/>
-                <a:ea typeface="標楷體" panose="03000509000000000000" pitchFamily="65" charset="-120"/>
-                <a:cs typeface="Times New Roman" panose="02020603050405020304" pitchFamily="18" charset="0"/>
-              </a:rPr>
-              <a:t>industrial </a:t>
-            </a:r>
-            <a:r>
-              <a:rPr lang="en-US" altLang="zh-TW" dirty="0">
-                <a:latin typeface="Times New Roman" panose="02020603050405020304" pitchFamily="18" charset="0"/>
-                <a:ea typeface="標楷體" panose="03000509000000000000" pitchFamily="65" charset="-120"/>
-                <a:cs typeface="Times New Roman" panose="02020603050405020304" pitchFamily="18" charset="0"/>
-              </a:rPr>
-              <a:t>communication </a:t>
-            </a:r>
-            <a:r>
-              <a:rPr lang="en-US" altLang="zh-TW" dirty="0" smtClean="0">
-                <a:latin typeface="Times New Roman" panose="02020603050405020304" pitchFamily="18" charset="0"/>
-                <a:ea typeface="標楷體" panose="03000509000000000000" pitchFamily="65" charset="-120"/>
-                <a:cs typeface="Times New Roman" panose="02020603050405020304" pitchFamily="18" charset="0"/>
-              </a:rPr>
-              <a:t>standard: </a:t>
-            </a:r>
-            <a:r>
-              <a:rPr lang="en-US" altLang="zh-TW" dirty="0">
-                <a:latin typeface="Times New Roman" panose="02020603050405020304" pitchFamily="18" charset="0"/>
-                <a:ea typeface="標楷體" panose="03000509000000000000" pitchFamily="65" charset="-120"/>
-                <a:cs typeface="Times New Roman" panose="02020603050405020304" pitchFamily="18" charset="0"/>
-              </a:rPr>
-              <a:t>OPC UA </a:t>
-            </a:r>
-            <a:r>
-              <a:rPr lang="en-US" altLang="zh-TW" dirty="0" smtClean="0">
-                <a:latin typeface="Times New Roman" panose="02020603050405020304" pitchFamily="18" charset="0"/>
-                <a:ea typeface="標楷體" panose="03000509000000000000" pitchFamily="65" charset="-120"/>
-                <a:cs typeface="Times New Roman" panose="02020603050405020304" pitchFamily="18" charset="0"/>
-              </a:rPr>
-              <a:t>protocol</a:t>
-            </a:r>
-            <a:r>
-              <a:rPr lang="en-US" altLang="zh-TW" dirty="0">
-                <a:latin typeface="Times New Roman" panose="02020603050405020304" pitchFamily="18" charset="0"/>
-                <a:ea typeface="標楷體" panose="03000509000000000000" pitchFamily="65" charset="-120"/>
-                <a:cs typeface="Times New Roman" panose="02020603050405020304" pitchFamily="18" charset="0"/>
-              </a:rPr>
-              <a:t>, develop a system with data collection and </a:t>
-            </a:r>
-            <a:r>
-              <a:rPr lang="en-US" altLang="zh-TW" dirty="0" smtClean="0">
-                <a:latin typeface="Times New Roman" panose="02020603050405020304" pitchFamily="18" charset="0"/>
-                <a:ea typeface="標楷體" panose="03000509000000000000" pitchFamily="65" charset="-120"/>
-                <a:cs typeface="Times New Roman" panose="02020603050405020304" pitchFamily="18" charset="0"/>
-              </a:rPr>
-              <a:t>monitoring. </a:t>
-            </a:r>
-          </a:p>
-          <a:p>
-            <a:pPr lvl="1"/>
-            <a:r>
-              <a:rPr lang="en-US" altLang="zh-TW" sz="2600" dirty="0" smtClean="0">
-                <a:latin typeface="Times New Roman" panose="02020603050405020304" pitchFamily="18" charset="0"/>
-                <a:ea typeface="標楷體" panose="03000509000000000000" pitchFamily="65" charset="-120"/>
-                <a:cs typeface="Times New Roman" panose="02020603050405020304" pitchFamily="18" charset="0"/>
-              </a:rPr>
-              <a:t>Transfer data to server use </a:t>
-            </a:r>
-            <a:r>
-              <a:rPr lang="en-US" altLang="zh-TW" sz="2600" dirty="0" err="1" smtClean="0">
-                <a:latin typeface="Times New Roman" panose="02020603050405020304" pitchFamily="18" charset="0"/>
-                <a:ea typeface="標楷體" panose="03000509000000000000" pitchFamily="65" charset="-120"/>
-                <a:cs typeface="Times New Roman" panose="02020603050405020304" pitchFamily="18" charset="0"/>
-              </a:rPr>
-              <a:t>wifi</a:t>
-            </a:r>
-            <a:r>
-              <a:rPr lang="en-US" altLang="zh-TW" sz="2600" dirty="0" smtClean="0">
-                <a:latin typeface="Times New Roman" panose="02020603050405020304" pitchFamily="18" charset="0"/>
-                <a:ea typeface="標楷體" panose="03000509000000000000" pitchFamily="65" charset="-120"/>
-                <a:cs typeface="Times New Roman" panose="02020603050405020304" pitchFamily="18" charset="0"/>
-              </a:rPr>
-              <a:t> </a:t>
-            </a:r>
-            <a:r>
-              <a:rPr lang="en-US" altLang="zh-TW" sz="2600" dirty="0">
-                <a:latin typeface="Times New Roman" panose="02020603050405020304" pitchFamily="18" charset="0"/>
-                <a:ea typeface="標楷體" panose="03000509000000000000" pitchFamily="65" charset="-120"/>
-                <a:cs typeface="Times New Roman" panose="02020603050405020304" pitchFamily="18" charset="0"/>
-              </a:rPr>
-              <a:t>or </a:t>
-            </a:r>
-            <a:r>
-              <a:rPr lang="en-US" altLang="zh-TW" sz="2600" dirty="0" err="1">
-                <a:latin typeface="Times New Roman" panose="02020603050405020304" pitchFamily="18" charset="0"/>
-                <a:ea typeface="標楷體" panose="03000509000000000000" pitchFamily="65" charset="-120"/>
-                <a:cs typeface="Times New Roman" panose="02020603050405020304" pitchFamily="18" charset="0"/>
-              </a:rPr>
-              <a:t>b</a:t>
-            </a:r>
-            <a:r>
-              <a:rPr lang="en-US" altLang="zh-TW" sz="2600" dirty="0" err="1" smtClean="0">
-                <a:latin typeface="Times New Roman" panose="02020603050405020304" pitchFamily="18" charset="0"/>
-                <a:ea typeface="標楷體" panose="03000509000000000000" pitchFamily="65" charset="-120"/>
-                <a:cs typeface="Times New Roman" panose="02020603050405020304" pitchFamily="18" charset="0"/>
-              </a:rPr>
-              <a:t>luetooth</a:t>
-            </a:r>
-            <a:r>
-              <a:rPr lang="en-US" altLang="zh-TW" sz="2600" dirty="0">
-                <a:latin typeface="Times New Roman" panose="02020603050405020304" pitchFamily="18" charset="0"/>
-                <a:ea typeface="標楷體" panose="03000509000000000000" pitchFamily="65" charset="-120"/>
-                <a:cs typeface="Times New Roman" panose="02020603050405020304" pitchFamily="18" charset="0"/>
-              </a:rPr>
-              <a:t>.</a:t>
-            </a:r>
-            <a:endParaRPr lang="en-US" altLang="zh-TW" sz="2600" dirty="0" smtClean="0">
-              <a:latin typeface="Times New Roman" panose="02020603050405020304" pitchFamily="18" charset="0"/>
-              <a:ea typeface="標楷體" panose="03000509000000000000" pitchFamily="65" charset="-120"/>
-              <a:cs typeface="Times New Roman" panose="02020603050405020304" pitchFamily="18" charset="0"/>
-            </a:endParaRPr>
-          </a:p>
-          <a:p>
-            <a:pPr lvl="1"/>
-            <a:r>
-              <a:rPr lang="en-US" altLang="zh-TW" sz="2600" dirty="0">
-                <a:latin typeface="Times New Roman" panose="02020603050405020304" pitchFamily="18" charset="0"/>
-                <a:ea typeface="標楷體" panose="03000509000000000000" pitchFamily="65" charset="-120"/>
-                <a:cs typeface="Times New Roman" panose="02020603050405020304" pitchFamily="18" charset="0"/>
-              </a:rPr>
-              <a:t>Display </a:t>
-            </a:r>
-            <a:r>
-              <a:rPr lang="en-US" altLang="zh-TW" sz="2600" dirty="0" smtClean="0">
                 <a:latin typeface="Times New Roman" panose="02020603050405020304" pitchFamily="18" charset="0"/>
                 <a:ea typeface="標楷體" panose="03000509000000000000" pitchFamily="65" charset="-120"/>
                 <a:cs typeface="Times New Roman" panose="02020603050405020304" pitchFamily="18" charset="0"/>
@@ -5112,12 +5058,28 @@
           </a:p>
           <a:p>
             <a:r>
+              <a:rPr lang="en-US" altLang="zh-TW" sz="2600" dirty="0" err="1" smtClean="0">
+                <a:latin typeface="Times New Roman" panose="02020603050405020304" pitchFamily="18" charset="0"/>
+                <a:ea typeface="標楷體" panose="03000509000000000000" pitchFamily="65" charset="-120"/>
+                <a:cs typeface="Times New Roman" panose="02020603050405020304" pitchFamily="18" charset="0"/>
+              </a:rPr>
+              <a:t>Arduino</a:t>
+            </a:r>
+            <a:r>
+              <a:rPr lang="en-US" altLang="zh-TW" sz="2600" dirty="0" smtClean="0">
+                <a:latin typeface="Times New Roman" panose="02020603050405020304" pitchFamily="18" charset="0"/>
+                <a:ea typeface="標楷體" panose="03000509000000000000" pitchFamily="65" charset="-120"/>
+                <a:cs typeface="Times New Roman" panose="02020603050405020304" pitchFamily="18" charset="0"/>
+              </a:rPr>
+              <a:t> as </a:t>
+            </a:r>
+            <a:r>
               <a:rPr lang="en-US" altLang="zh-TW" sz="2600" dirty="0">
                 <a:latin typeface="Times New Roman" panose="02020603050405020304" pitchFamily="18" charset="0"/>
                 <a:ea typeface="標楷體" panose="03000509000000000000" pitchFamily="65" charset="-120"/>
                 <a:cs typeface="Times New Roman" panose="02020603050405020304" pitchFamily="18" charset="0"/>
               </a:rPr>
-              <a:t>Single board computer as external sensor </a:t>
+              <a:t>external sensor </a:t>
             </a:r>
             <a:r>
               <a:rPr lang="en-US" altLang="zh-TW" sz="2600" dirty="0" smtClean="0">
@@ -5136,18 +5098,23 @@
                 <a:ea typeface="標楷體" panose="03000509000000000000" pitchFamily="65" charset="-120"/>
                 <a:cs typeface="Times New Roman" panose="02020603050405020304" pitchFamily="18" charset="0"/>
               </a:rPr>
+              <a:t>Expandability.</a:t>
+            </a:r>
+            <a:endParaRPr lang="en-US" altLang="zh-TW" dirty="0">
+              <a:latin typeface="Times New Roman" panose="02020603050405020304" pitchFamily="18" charset="0"/>
+              <a:ea typeface="標楷體" panose="03000509000000000000" pitchFamily="65" charset="-120"/>
+              <a:cs typeface="Times New Roman" panose="02020603050405020304" pitchFamily="18" charset="0"/>
+            </a:endParaRPr>
+          </a:p>
+          <a:p>
+            <a:pPr lvl="1"/>
+            <a:r>
+              <a:rPr lang="en-US" altLang="zh-TW" dirty="0" smtClean="0">
+                <a:latin typeface="Times New Roman" panose="02020603050405020304" pitchFamily="18" charset="0"/>
+                <a:ea typeface="標楷體" panose="03000509000000000000" pitchFamily="65" charset="-120"/>
+                <a:cs typeface="Times New Roman" panose="02020603050405020304" pitchFamily="18" charset="0"/>
+              </a:rPr>
               <a:t>Low-cost.</a:t>
-            </a:r>
-          </a:p>
-          <a:p>
-            <a:pPr lvl="1"/>
-            <a:r>
-              <a:rPr lang="en-US" altLang="zh-TW" dirty="0" smtClean="0">
-                <a:latin typeface="Times New Roman" panose="02020603050405020304" pitchFamily="18" charset="0"/>
-                <a:ea typeface="標楷體" panose="03000509000000000000" pitchFamily="65" charset="-120"/>
-                <a:cs typeface="Times New Roman" panose="02020603050405020304" pitchFamily="18" charset="0"/>
-              </a:rPr>
-              <a:t>Expandability.</a:t>
             </a:r>
             <a:endParaRPr lang="en-US" altLang="zh-TW" dirty="0">
               <a:latin typeface="Times New Roman" panose="02020603050405020304" pitchFamily="18" charset="0"/>
@@ -5553,20 +5520,12 @@
           </a:p>
           <a:p>
             <a:r>
-              <a:rPr lang="en-US" altLang="zh-TW" dirty="0" err="1" smtClean="0">
-                <a:latin typeface="Times New Roman" panose="02020603050405020304" pitchFamily="18" charset="0"/>
-                <a:ea typeface="標楷體" panose="03000509000000000000" pitchFamily="65" charset="-120"/>
-                <a:cs typeface="Times New Roman" panose="02020603050405020304" pitchFamily="18" charset="0"/>
-              </a:rPr>
-              <a:t>MTConnect</a:t>
-            </a:r>
-            <a:r>
               <a:rPr lang="en-US" altLang="zh-TW" dirty="0" smtClean="0">
                 <a:latin typeface="Times New Roman" panose="02020603050405020304" pitchFamily="18" charset="0"/>
                 <a:ea typeface="標楷體" panose="03000509000000000000" pitchFamily="65" charset="-120"/>
                 <a:cs typeface="Times New Roman" panose="02020603050405020304" pitchFamily="18" charset="0"/>
               </a:rPr>
-              <a:t>-OPC </a:t>
+              <a:t>MT Connect-OPC </a:t>
             </a:r>
             <a:r>
               <a:rPr lang="en-US" altLang="zh-TW" dirty="0">
@@ -5746,14 +5705,14 @@
             <p:ph idx="1"/>
             <p:extLst>
               <p:ext uri="{D42A27DB-BD31-4B8C-83A1-F6EECF244321}">
-                <p14:modId xmlns:p14="http://schemas.microsoft.com/office/powerpoint/2010/main" val="1513841174"/>
+                <p14:modId xmlns:p14="http://schemas.microsoft.com/office/powerpoint/2010/main" val="1544272366"/>
               </p:ext>
             </p:extLst>
           </p:nvPr>
         </p:nvGraphicFramePr>
         <p:xfrm>
-          <a:off x="1530111" y="1898316"/>
-          <a:ext cx="8704753" cy="4677166"/>
+          <a:off x="978569" y="1898316"/>
+          <a:ext cx="9689431" cy="4398658"/>
         </p:xfrm>
         <a:graphic>
           <a:graphicData uri="http://schemas.openxmlformats.org/drawingml/2006/table">
@@ -5762,35 +5721,35 @@
                 <a:tableStyleId>{5C22544A-7EE6-4342-B048-85BDC9FD1C3A}</a:tableStyleId>
               </a:tblPr>
               <a:tblGrid>
-                <a:gridCol w="1309342">
+                <a:gridCol w="1392303">
                   <a:extLst>
                     <a:ext uri="{9D8B030D-6E8A-4147-A177-3AD203B41FA5}">
                       <a16:colId xmlns="" xmlns:a16="http://schemas.microsoft.com/office/drawing/2014/main" val="2920368674"/>
                     </a:ext>
                   </a:extLst>
                 </a:gridCol>
-                <a:gridCol w="1540042">
+                <a:gridCol w="1637621">
                   <a:extLst>
                     <a:ext uri="{9D8B030D-6E8A-4147-A177-3AD203B41FA5}">
                       <a16:colId xmlns="" xmlns:a16="http://schemas.microsoft.com/office/drawing/2014/main" val="3881534218"/>
                     </a:ext>
                   </a:extLst>
                 </a:gridCol>
-                <a:gridCol w="2021306">
+                <a:gridCol w="2149378">
                   <a:extLst>
                     <a:ext uri="{9D8B030D-6E8A-4147-A177-3AD203B41FA5}">
                       <a16:colId xmlns="" xmlns:a16="http://schemas.microsoft.com/office/drawing/2014/main" val="4114780468"/>
                     </a:ext>
                   </a:extLst>
                 </a:gridCol>
-                <a:gridCol w="2092274">
+                <a:gridCol w="2224843">
                   <a:extLst>
                     <a:ext uri="{9D8B030D-6E8A-4147-A177-3AD203B41FA5}">
                       <a16:colId xmlns="" xmlns:a16="http://schemas.microsoft.com/office/drawing/2014/main" val="1611189798"/>
                     </a:ext>
                   </a:extLst>
                 </a:gridCol>
-                <a:gridCol w="1741789">
+                <a:gridCol w="2285286">
                   <a:extLst>
                     <a:ext uri="{9D8B030D-6E8A-4147-A177-3AD203B41FA5}">
                       <a16:colId xmlns="" xmlns:a16="http://schemas.microsoft.com/office/drawing/2014/main" val="4120165768"/>
@@ -5839,13 +5798,13 @@
                         </a:spcAft>
                       </a:pPr>
                       <a:r>
-                        <a:rPr lang="en-US" sz="2000" kern="100" dirty="0" err="1">
+                        <a:rPr lang="en-US" sz="2000" kern="100" dirty="0" smtClean="0">
                           <a:effectLst/>
                           <a:latin typeface="Times New Roman" panose="02020603050405020304" pitchFamily="18" charset="0"/>
                           <a:ea typeface="標楷體" panose="03000509000000000000" pitchFamily="65" charset="-120"/>
                           <a:cs typeface="Times New Roman" panose="02020603050405020304" pitchFamily="18" charset="0"/>
                         </a:rPr>
-                        <a:t>MTConnect</a:t>
+                        <a:t>MT Connect</a:t>
                       </a:r>
                       <a:endParaRPr lang="zh-TW" sz="2000" kern="100" dirty="0">
                         <a:effectLst/>
@@ -5926,13 +5885,13 @@
                         </a:spcAft>
                       </a:pPr>
                       <a:r>
-                        <a:rPr lang="en-US" sz="2000" kern="100" dirty="0" err="1">
+                        <a:rPr lang="en-US" sz="2000" kern="100" dirty="0" smtClean="0">
                           <a:effectLst/>
                           <a:latin typeface="Times New Roman" panose="02020603050405020304" pitchFamily="18" charset="0"/>
                           <a:ea typeface="標楷體" panose="03000509000000000000" pitchFamily="65" charset="-120"/>
                           <a:cs typeface="Times New Roman" panose="02020603050405020304" pitchFamily="18" charset="0"/>
                         </a:rPr>
-                        <a:t>MTConnect</a:t>
+                        <a:t>MT Connect-OPC </a:t>
                       </a:r>
                       <a:r>
                         <a:rPr lang="en-US" sz="2000" kern="100" dirty="0">
@@ -5941,7 +5900,7 @@
                           <a:ea typeface="標楷體" panose="03000509000000000000" pitchFamily="65" charset="-120"/>
                           <a:cs typeface="Times New Roman" panose="02020603050405020304" pitchFamily="18" charset="0"/>
                         </a:rPr>
-                        <a:t>-OPC UA</a:t>
+                        <a:t>UA</a:t>
                       </a:r>
                       <a:endParaRPr lang="zh-TW" sz="2000" kern="100" dirty="0">
                         <a:effectLst/>
@@ -6177,7 +6136,7 @@
                         </a:spcAft>
                       </a:pPr>
                       <a:r>
-                        <a:rPr lang="en-US" altLang="zh-TW" sz="2000" b="0" i="0" kern="1200" dirty="0" smtClean="0">
+                        <a:rPr lang="en-US" altLang="zh-TW" sz="2000" b="1" i="0" kern="1200" dirty="0" smtClean="0">
                           <a:solidFill>
                             <a:schemeClr val="lt1"/>
                           </a:solidFill>
@@ -6186,10 +6145,17 @@
                           <a:ea typeface="+mn-ea"/>
                           <a:cs typeface="Times New Roman" pitchFamily="18" charset="0"/>
                         </a:rPr>
-                        <a:t>communication  </a:t>
+                        <a:t>Communication  </a:t>
                       </a:r>
+                    </a:p>
+                    <a:p>
+                      <a:pPr algn="ctr">
+                        <a:spcAft>
+                          <a:spcPts val="0"/>
+                        </a:spcAft>
+                      </a:pPr>
                       <a:r>
-                        <a:rPr lang="en-US" altLang="zh-TW" sz="2000" b="0" i="0" kern="1200" dirty="0" err="1" smtClean="0">
+                        <a:rPr lang="en-US" altLang="zh-TW" sz="2000" b="1" i="0" kern="1200" dirty="0" err="1" smtClean="0">
                           <a:solidFill>
                             <a:schemeClr val="lt1"/>
                           </a:solidFill>
@@ -6198,9 +6164,9 @@
                           <a:ea typeface="+mn-ea"/>
                           <a:cs typeface="Times New Roman" pitchFamily="18" charset="0"/>
                         </a:rPr>
-                        <a:t>protocal</a:t>
+                        <a:t>Protocal</a:t>
                       </a:r>
-                      <a:endParaRPr lang="zh-TW" sz="2000" kern="100" dirty="0">
+                      <a:endParaRPr lang="zh-TW" sz="2000" b="1" kern="100" dirty="0">
                         <a:effectLst/>
                         <a:latin typeface="Times New Roman" panose="02020603050405020304" pitchFamily="18" charset="0"/>
                         <a:ea typeface="標楷體" panose="03000509000000000000" pitchFamily="65" charset="-120"/>
@@ -6398,15 +6364,15 @@
                         </a:spcAft>
                       </a:pPr>
                       <a:r>
-                        <a:rPr lang="en-US" altLang="zh-TW" sz="2000" kern="100" dirty="0" smtClean="0">
+                        <a:rPr lang="en-US" altLang="zh-TW" sz="2000" b="1" kern="100" dirty="0" smtClean="0">
                           <a:effectLst/>
                           <a:latin typeface="Times New Roman" panose="02020603050405020304" pitchFamily="18" charset="0"/>
                           <a:ea typeface="標楷體" panose="03000509000000000000" pitchFamily="65" charset="-120"/>
                           <a:cs typeface="Times New Roman" panose="02020603050405020304" pitchFamily="18" charset="0"/>
                         </a:rPr>
-                        <a:t>complexity</a:t>
+                        <a:t>Complexity</a:t>
                       </a:r>
-                      <a:endParaRPr lang="zh-TW" sz="2000" kern="100" dirty="0">
+                      <a:endParaRPr lang="zh-TW" sz="2000" b="1" kern="100" dirty="0">
                         <a:effectLst/>
                         <a:latin typeface="Times New Roman" panose="02020603050405020304" pitchFamily="18" charset="0"/>
                         <a:ea typeface="標楷體" panose="03000509000000000000" pitchFamily="65" charset="-120"/>
@@ -6550,15 +6516,15 @@
                         </a:spcAft>
                       </a:pPr>
                       <a:r>
-                        <a:rPr lang="en-US" altLang="zh-TW" sz="2000" kern="100" dirty="0" smtClean="0">
+                        <a:rPr lang="en-US" altLang="zh-TW" sz="2000" b="1" kern="100" dirty="0" smtClean="0">
                           <a:effectLst/>
                           <a:latin typeface="Times New Roman" panose="02020603050405020304" pitchFamily="18" charset="0"/>
                           <a:ea typeface="標楷體" panose="03000509000000000000" pitchFamily="65" charset="-120"/>
                           <a:cs typeface="Times New Roman" panose="02020603050405020304" pitchFamily="18" charset="0"/>
                         </a:rPr>
-                        <a:t>security</a:t>
+                        <a:t>Security</a:t>
                       </a:r>
-                      <a:endParaRPr lang="zh-TW" sz="2000" kern="100" dirty="0">
+                      <a:endParaRPr lang="zh-TW" sz="2000" b="1" kern="100" dirty="0">
                         <a:effectLst/>
                         <a:latin typeface="Times New Roman" panose="02020603050405020304" pitchFamily="18" charset="0"/>
                         <a:ea typeface="標楷體" panose="03000509000000000000" pitchFamily="65" charset="-120"/>
@@ -6702,15 +6668,15 @@
                         </a:spcAft>
                       </a:pPr>
                       <a:r>
-                        <a:rPr lang="en-US" altLang="zh-TW" sz="2000" kern="100" dirty="0" smtClean="0">
+                        <a:rPr lang="en-US" altLang="zh-TW" sz="2000" b="1" kern="100" dirty="0" smtClean="0">
                           <a:effectLst/>
                           <a:latin typeface="Times New Roman" panose="02020603050405020304" pitchFamily="18" charset="0"/>
                           <a:ea typeface="標楷體" panose="03000509000000000000" pitchFamily="65" charset="-120"/>
                           <a:cs typeface="Times New Roman" panose="02020603050405020304" pitchFamily="18" charset="0"/>
                         </a:rPr>
-                        <a:t>write</a:t>
+                        <a:t>Write</a:t>
                       </a:r>
-                      <a:endParaRPr lang="zh-TW" sz="2000" kern="100" dirty="0">
+                      <a:endParaRPr lang="zh-TW" sz="2000" b="1" kern="100" dirty="0">
                         <a:effectLst/>
                         <a:latin typeface="Times New Roman" panose="02020603050405020304" pitchFamily="18" charset="0"/>
                         <a:ea typeface="標楷體" panose="03000509000000000000" pitchFamily="65" charset="-120"/>
@@ -6760,14 +6726,20 @@
                         </a:spcAft>
                       </a:pPr>
                       <a:r>
-                        <a:rPr lang="zh-TW" sz="2000" kern="100" dirty="0">
+                        <a:rPr lang="en-US" altLang="zh-TW" sz="2000" kern="100" dirty="0" smtClean="0">
                           <a:effectLst/>
                           <a:latin typeface="Times New Roman" panose="02020603050405020304" pitchFamily="18" charset="0"/>
                           <a:ea typeface="標楷體" panose="03000509000000000000" pitchFamily="65" charset="-120"/>
                           <a:cs typeface="Times New Roman" panose="02020603050405020304" pitchFamily="18" charset="0"/>
                         </a:rPr>
-                        <a:t>是</a:t>
+                        <a:t>Yes</a:t>
                       </a:r>
+                      <a:endParaRPr lang="zh-TW" altLang="zh-TW" sz="2000" kern="100" dirty="0">
+                        <a:effectLst/>
+                        <a:latin typeface="Times New Roman" panose="02020603050405020304" pitchFamily="18" charset="0"/>
+                        <a:ea typeface="標楷體" panose="03000509000000000000" pitchFamily="65" charset="-120"/>
+                        <a:cs typeface="Times New Roman" panose="02020603050405020304" pitchFamily="18" charset="0"/>
+                      </a:endParaRPr>
                     </a:p>
                   </a:txBody>
                   <a:tcPr marL="68580" marR="68580" marT="0" marB="0" anchor="ctr"/>
@@ -6783,14 +6755,20 @@
                         </a:spcAft>
                       </a:pPr>
                       <a:r>
-                        <a:rPr lang="zh-TW" sz="2000" kern="100" dirty="0">
+                        <a:rPr lang="en-US" altLang="zh-TW" sz="2000" kern="100" dirty="0" smtClean="0">
                           <a:effectLst/>
                           <a:latin typeface="Times New Roman" panose="02020603050405020304" pitchFamily="18" charset="0"/>
                           <a:ea typeface="標楷體" panose="03000509000000000000" pitchFamily="65" charset="-120"/>
                           <a:cs typeface="Times New Roman" panose="02020603050405020304" pitchFamily="18" charset="0"/>
                         </a:rPr>
-                        <a:t>是</a:t>
+                        <a:t>Yes</a:t>
                       </a:r>
+                      <a:endParaRPr lang="zh-TW" altLang="zh-TW" sz="2000" kern="100" dirty="0">
+                        <a:effectLst/>
+                        <a:latin typeface="Times New Roman" panose="02020603050405020304" pitchFamily="18" charset="0"/>
+                        <a:ea typeface="標楷體" panose="03000509000000000000" pitchFamily="65" charset="-120"/>
+                        <a:cs typeface="Times New Roman" panose="02020603050405020304" pitchFamily="18" charset="0"/>
+                      </a:endParaRPr>
                     </a:p>
                   </a:txBody>
                   <a:tcPr marL="68580" marR="68580" marT="0" marB="0" anchor="ctr"/>
@@ -6806,14 +6784,20 @@
                         </a:spcAft>
                       </a:pPr>
                       <a:r>
-                        <a:rPr lang="zh-TW" sz="2000" kern="100">
+                        <a:rPr lang="en-US" altLang="zh-TW" sz="2000" kern="100" dirty="0" smtClean="0">
                           <a:effectLst/>
                           <a:latin typeface="Times New Roman" panose="02020603050405020304" pitchFamily="18" charset="0"/>
                           <a:ea typeface="標楷體" panose="03000509000000000000" pitchFamily="65" charset="-120"/>
                           <a:cs typeface="Times New Roman" panose="02020603050405020304" pitchFamily="18" charset="0"/>
                         </a:rPr>
-                        <a:t>是</a:t>
+                        <a:t>Yes</a:t>
                       </a:r>
+                      <a:endParaRPr lang="zh-TW" altLang="zh-TW" sz="2000" kern="100" dirty="0">
+                        <a:effectLst/>
+                        <a:latin typeface="Times New Roman" panose="02020603050405020304" pitchFamily="18" charset="0"/>
+                        <a:ea typeface="標楷體" panose="03000509000000000000" pitchFamily="65" charset="-120"/>
+                        <a:cs typeface="Times New Roman" panose="02020603050405020304" pitchFamily="18" charset="0"/>
+                      </a:endParaRPr>
                     </a:p>
                   </a:txBody>
                   <a:tcPr marL="68580" marR="68580" marT="0" marB="0" anchor="ctr"/>
@@ -6836,15 +6820,15 @@
                         </a:spcAft>
                       </a:pPr>
                       <a:r>
-                        <a:rPr lang="en-US" altLang="zh-TW" sz="2000" kern="100" dirty="0" smtClean="0">
+                        <a:rPr lang="en-US" altLang="zh-TW" sz="2000" b="1" kern="100" dirty="0" smtClean="0">
                           <a:effectLst/>
                           <a:latin typeface="Times New Roman" panose="02020603050405020304" pitchFamily="18" charset="0"/>
                           <a:ea typeface="標楷體" panose="03000509000000000000" pitchFamily="65" charset="-120"/>
                           <a:cs typeface="Times New Roman" panose="02020603050405020304" pitchFamily="18" charset="0"/>
                         </a:rPr>
-                        <a:t>Cross-platform</a:t>
+                        <a:t>Cross-Platform</a:t>
                       </a:r>
-                      <a:endParaRPr lang="zh-TW" altLang="zh-TW" sz="2000" kern="100" dirty="0">
+                      <a:endParaRPr lang="zh-TW" altLang="zh-TW" sz="2000" b="1" kern="100" dirty="0">
                         <a:effectLst/>
                         <a:latin typeface="Times New Roman" panose="02020603050405020304" pitchFamily="18" charset="0"/>
                         <a:ea typeface="標楷體" panose="03000509000000000000" pitchFamily="65" charset="-120"/>
@@ -6952,14 +6936,20 @@
                         </a:spcAft>
                       </a:pPr>
                       <a:r>
-                        <a:rPr lang="zh-TW" sz="2000" kern="100" dirty="0">
+                        <a:rPr lang="en-US" altLang="zh-TW" sz="2000" kern="100" dirty="0" smtClean="0">
                           <a:effectLst/>
                           <a:latin typeface="Times New Roman" panose="02020603050405020304" pitchFamily="18" charset="0"/>
                           <a:ea typeface="標楷體" panose="03000509000000000000" pitchFamily="65" charset="-120"/>
                           <a:cs typeface="Times New Roman" panose="02020603050405020304" pitchFamily="18" charset="0"/>
                         </a:rPr>
-                        <a:t>否</a:t>
+                        <a:t>Yes</a:t>
                       </a:r>
+                      <a:endParaRPr lang="zh-TW" altLang="zh-TW" sz="2000" kern="100" dirty="0">
+                        <a:effectLst/>
+                        <a:latin typeface="Times New Roman" panose="02020603050405020304" pitchFamily="18" charset="0"/>
+                        <a:ea typeface="標楷體" panose="03000509000000000000" pitchFamily="65" charset="-120"/>
+                        <a:cs typeface="Times New Roman" panose="02020603050405020304" pitchFamily="18" charset="0"/>
+                      </a:endParaRPr>
                     </a:p>
                   </a:txBody>
                   <a:tcPr marL="68580" marR="68580" marT="0" marB="0" anchor="ctr"/>
@@ -6982,15 +6972,15 @@
                         </a:spcAft>
                       </a:pPr>
                       <a:r>
-                        <a:rPr lang="en-US" altLang="zh-TW" sz="2000" kern="100" dirty="0" smtClean="0">
+                        <a:rPr lang="en-US" altLang="zh-TW" sz="2000" b="1" kern="100" dirty="0" smtClean="0">
                           <a:effectLst/>
                           <a:latin typeface="Times New Roman" panose="02020603050405020304" pitchFamily="18" charset="0"/>
                           <a:ea typeface="標楷體" panose="03000509000000000000" pitchFamily="65" charset="-120"/>
                           <a:cs typeface="Times New Roman" panose="02020603050405020304" pitchFamily="18" charset="0"/>
                         </a:rPr>
-                        <a:t>interoperability</a:t>
+                        <a:t>Interoperability</a:t>
                       </a:r>
-                      <a:endParaRPr lang="zh-TW" sz="2000" kern="100" dirty="0">
+                      <a:endParaRPr lang="zh-TW" sz="2000" b="1" kern="100" dirty="0">
                         <a:effectLst/>
                         <a:latin typeface="Times New Roman" panose="02020603050405020304" pitchFamily="18" charset="0"/>
                         <a:ea typeface="標楷體" panose="03000509000000000000" pitchFamily="65" charset="-120"/>
@@ -8307,67 +8297,108 @@
           <a:lstStyle/>
           <a:p>
             <a:r>
+              <a:rPr lang="en-US" altLang="zh-TW" sz="2600" dirty="0">
+                <a:latin typeface="Times New Roman" panose="02020603050405020304" pitchFamily="18" charset="0"/>
+                <a:ea typeface="標楷體" panose="03000509000000000000" pitchFamily="65" charset="-120"/>
+                <a:cs typeface="Times New Roman" panose="02020603050405020304" pitchFamily="18" charset="0"/>
+              </a:rPr>
+              <a:t>E</a:t>
+            </a:r>
+            <a:r>
+              <a:rPr lang="en-US" altLang="zh-TW" sz="2600" dirty="0" smtClean="0">
+                <a:latin typeface="Times New Roman" panose="02020603050405020304" pitchFamily="18" charset="0"/>
+                <a:ea typeface="標楷體" panose="03000509000000000000" pitchFamily="65" charset="-120"/>
+                <a:cs typeface="Times New Roman" panose="02020603050405020304" pitchFamily="18" charset="0"/>
+              </a:rPr>
+              <a:t>xisting </a:t>
+            </a:r>
+            <a:r>
+              <a:rPr lang="en-US" altLang="zh-TW" sz="2600" dirty="0">
+                <a:latin typeface="Times New Roman" panose="02020603050405020304" pitchFamily="18" charset="0"/>
+                <a:ea typeface="標楷體" panose="03000509000000000000" pitchFamily="65" charset="-120"/>
+                <a:cs typeface="Times New Roman" panose="02020603050405020304" pitchFamily="18" charset="0"/>
+              </a:rPr>
+              <a:t>way :</a:t>
+            </a:r>
+            <a:endParaRPr lang="en-US" altLang="zh-TW" sz="2600" dirty="0" smtClean="0">
+              <a:latin typeface="Times New Roman" panose="02020603050405020304" pitchFamily="18" charset="0"/>
+              <a:ea typeface="標楷體" panose="03000509000000000000" pitchFamily="65" charset="-120"/>
+              <a:cs typeface="Times New Roman" panose="02020603050405020304" pitchFamily="18" charset="0"/>
+            </a:endParaRPr>
+          </a:p>
+          <a:p>
+            <a:pPr lvl="1"/>
+            <a:r>
               <a:rPr lang="en-US" altLang="zh-TW" dirty="0">
-                <a:latin typeface="標楷體" panose="03000509000000000000" pitchFamily="65" charset="-120"/>
-                <a:ea typeface="標楷體" panose="03000509000000000000" pitchFamily="65" charset="-120"/>
-              </a:rPr>
-              <a:t>existing way :</a:t>
-            </a:r>
-            <a:endParaRPr lang="en-US" altLang="zh-TW" dirty="0" smtClean="0">
-              <a:latin typeface="標楷體" panose="03000509000000000000" pitchFamily="65" charset="-120"/>
+                <a:latin typeface="Times New Roman" panose="02020603050405020304" pitchFamily="18" charset="0"/>
+                <a:ea typeface="標楷體" panose="03000509000000000000" pitchFamily="65" charset="-120"/>
+                <a:cs typeface="Times New Roman" panose="02020603050405020304" pitchFamily="18" charset="0"/>
+              </a:rPr>
+              <a:t>O</a:t>
+            </a:r>
+            <a:r>
+              <a:rPr lang="en-US" altLang="zh-TW" dirty="0" smtClean="0">
+                <a:latin typeface="Times New Roman" panose="02020603050405020304" pitchFamily="18" charset="0"/>
+                <a:ea typeface="標楷體" panose="03000509000000000000" pitchFamily="65" charset="-120"/>
+                <a:cs typeface="Times New Roman" panose="02020603050405020304" pitchFamily="18" charset="0"/>
+              </a:rPr>
+              <a:t>nly </a:t>
+            </a:r>
+            <a:r>
+              <a:rPr lang="en-US" altLang="zh-TW" dirty="0">
+                <a:latin typeface="Times New Roman" panose="02020603050405020304" pitchFamily="18" charset="0"/>
+                <a:ea typeface="標楷體" panose="03000509000000000000" pitchFamily="65" charset="-120"/>
+                <a:cs typeface="Times New Roman" panose="02020603050405020304" pitchFamily="18" charset="0"/>
+              </a:rPr>
+              <a:t>see the current </a:t>
+            </a:r>
+            <a:r>
+              <a:rPr lang="en-US" altLang="zh-TW" dirty="0" smtClean="0">
+                <a:latin typeface="Times New Roman" panose="02020603050405020304" pitchFamily="18" charset="0"/>
+                <a:ea typeface="標楷體" panose="03000509000000000000" pitchFamily="65" charset="-120"/>
+                <a:cs typeface="Times New Roman" panose="02020603050405020304" pitchFamily="18" charset="0"/>
+              </a:rPr>
+              <a:t>information and </a:t>
+            </a:r>
+            <a:r>
+              <a:rPr lang="en-US" altLang="zh-TW" dirty="0">
+                <a:latin typeface="Times New Roman" panose="02020603050405020304" pitchFamily="18" charset="0"/>
+                <a:ea typeface="標楷體" panose="03000509000000000000" pitchFamily="65" charset="-120"/>
+                <a:cs typeface="Times New Roman" panose="02020603050405020304" pitchFamily="18" charset="0"/>
+              </a:rPr>
+              <a:t>historical data cannot be </a:t>
+            </a:r>
+            <a:r>
+              <a:rPr lang="en-US" altLang="zh-TW" dirty="0" smtClean="0">
+                <a:latin typeface="Times New Roman" panose="02020603050405020304" pitchFamily="18" charset="0"/>
+                <a:ea typeface="標楷體" panose="03000509000000000000" pitchFamily="65" charset="-120"/>
+                <a:cs typeface="Times New Roman" panose="02020603050405020304" pitchFamily="18" charset="0"/>
+              </a:rPr>
+              <a:t>known.</a:t>
+            </a:r>
+          </a:p>
+          <a:p>
+            <a:pPr lvl="1"/>
+            <a:r>
+              <a:rPr lang="en-US" altLang="zh-TW" dirty="0">
+                <a:latin typeface="Times New Roman" panose="02020603050405020304" pitchFamily="18" charset="0"/>
+                <a:ea typeface="標楷體" panose="03000509000000000000" pitchFamily="65" charset="-120"/>
+                <a:cs typeface="Times New Roman" panose="02020603050405020304" pitchFamily="18" charset="0"/>
+              </a:rPr>
+              <a:t>Unable to monitor </a:t>
+            </a:r>
+            <a:r>
+              <a:rPr lang="en-US" altLang="zh-TW" dirty="0" smtClean="0">
+                <a:latin typeface="Times New Roman" panose="02020603050405020304" pitchFamily="18" charset="0"/>
+                <a:ea typeface="標楷體" panose="03000509000000000000" pitchFamily="65" charset="-120"/>
+                <a:cs typeface="Times New Roman" panose="02020603050405020304" pitchFamily="18" charset="0"/>
+              </a:rPr>
+              <a:t>instantly.</a:t>
+            </a:r>
+            <a:endParaRPr lang="en-US" altLang="zh-TW" dirty="0">
+              <a:latin typeface="Times New Roman" panose="02020603050405020304" pitchFamily="18" charset="0"/>
               <a:ea typeface="標楷體" panose="03000509000000000000" pitchFamily="65" charset="-120"/>
-            </a:endParaRPr>
-          </a:p>
-          <a:p>
-            <a:pPr lvl="1"/>
-            <a:r>
-              <a:rPr lang="en-US" altLang="zh-TW" dirty="0">
-                <a:latin typeface="標楷體" panose="03000509000000000000" pitchFamily="65" charset="-120"/>
-                <a:ea typeface="標楷體" panose="03000509000000000000" pitchFamily="65" charset="-120"/>
-              </a:rPr>
-              <a:t>only see the current information, </a:t>
-            </a:r>
-            <a:r>
-              <a:rPr lang="en-US" altLang="zh-TW" dirty="0" smtClean="0">
-                <a:latin typeface="標楷體" panose="03000509000000000000" pitchFamily="65" charset="-120"/>
-                <a:ea typeface="標楷體" panose="03000509000000000000" pitchFamily="65" charset="-120"/>
-              </a:rPr>
-              <a:t> </a:t>
-            </a:r>
-            <a:r>
-              <a:rPr lang="en-US" altLang="zh-TW" dirty="0">
-                <a:latin typeface="標楷體" panose="03000509000000000000" pitchFamily="65" charset="-120"/>
-                <a:ea typeface="標楷體" panose="03000509000000000000" pitchFamily="65" charset="-120"/>
-              </a:rPr>
-              <a:t>and historical data cannot be </a:t>
-            </a:r>
-            <a:r>
-              <a:rPr lang="en-US" altLang="zh-TW" dirty="0" smtClean="0">
-                <a:latin typeface="標楷體" panose="03000509000000000000" pitchFamily="65" charset="-120"/>
-                <a:ea typeface="標楷體" panose="03000509000000000000" pitchFamily="65" charset="-120"/>
-              </a:rPr>
-              <a:t>known.</a:t>
-            </a:r>
-          </a:p>
-          <a:p>
-            <a:pPr lvl="1"/>
-            <a:r>
-              <a:rPr lang="en-US" altLang="zh-TW" dirty="0">
-                <a:latin typeface="標楷體" panose="03000509000000000000" pitchFamily="65" charset="-120"/>
-                <a:ea typeface="標楷體" panose="03000509000000000000" pitchFamily="65" charset="-120"/>
-              </a:rPr>
-              <a:t>Unable to monitor </a:t>
-            </a:r>
-            <a:r>
-              <a:rPr lang="en-US" altLang="zh-TW" dirty="0" smtClean="0">
-                <a:latin typeface="標楷體" panose="03000509000000000000" pitchFamily="65" charset="-120"/>
-                <a:ea typeface="標楷體" panose="03000509000000000000" pitchFamily="65" charset="-120"/>
-              </a:rPr>
-              <a:t>instantly.</a:t>
-            </a:r>
-            <a:endParaRPr lang="en-US" altLang="zh-TW" dirty="0">
-              <a:latin typeface="標楷體" panose="03000509000000000000" pitchFamily="65" charset="-120"/>
-              <a:ea typeface="標楷體" panose="03000509000000000000" pitchFamily="65" charset="-120"/>
+              <a:cs typeface="Times New Roman" panose="02020603050405020304" pitchFamily="18" charset="0"/>
             </a:endParaRPr>
           </a:p>
           <a:p>
@@ -8529,12 +8560,39 @@
           <a:lstStyle/>
           <a:p>
             <a:r>
+              <a:rPr lang="en-US" altLang="zh-TW" sz="2600" dirty="0" smtClean="0">
+                <a:latin typeface="Times New Roman" panose="02020603050405020304" pitchFamily="18" charset="0"/>
+                <a:ea typeface="標楷體" panose="03000509000000000000" pitchFamily="65" charset="-120"/>
+                <a:cs typeface="Times New Roman" panose="02020603050405020304" pitchFamily="18" charset="0"/>
+              </a:rPr>
+              <a:t>Use OPC UA:</a:t>
+            </a:r>
+          </a:p>
+          <a:p>
+            <a:pPr lvl="1"/>
+            <a:r>
+              <a:rPr lang="en-US" altLang="zh-TW" dirty="0">
+                <a:latin typeface="Times New Roman" panose="02020603050405020304" pitchFamily="18" charset="0"/>
+                <a:ea typeface="標楷體" panose="03000509000000000000" pitchFamily="65" charset="-120"/>
+                <a:cs typeface="Times New Roman" panose="02020603050405020304" pitchFamily="18" charset="0"/>
+              </a:rPr>
+              <a:t>R</a:t>
+            </a:r>
+            <a:r>
               <a:rPr lang="en-US" altLang="zh-TW" dirty="0" smtClean="0">
                 <a:latin typeface="Times New Roman" panose="02020603050405020304" pitchFamily="18" charset="0"/>
                 <a:ea typeface="標楷體" panose="03000509000000000000" pitchFamily="65" charset="-120"/>
                 <a:cs typeface="Times New Roman" panose="02020603050405020304" pitchFamily="18" charset="0"/>
               </a:rPr>
-              <a:t>Use OPC UA:</a:t>
+              <a:t>eal </a:t>
+            </a:r>
+            <a:r>
+              <a:rPr lang="en-US" altLang="zh-TW" dirty="0">
+                <a:latin typeface="Times New Roman" panose="02020603050405020304" pitchFamily="18" charset="0"/>
+                <a:ea typeface="標楷體" panose="03000509000000000000" pitchFamily="65" charset="-120"/>
+                <a:cs typeface="Times New Roman" panose="02020603050405020304" pitchFamily="18" charset="0"/>
+              </a:rPr>
+              <a:t>time monitor factory information</a:t>
             </a:r>
           </a:p>
           <a:p>
@@ -8545,7 +8603,7 @@
                 <a:ea typeface="標楷體" panose="03000509000000000000" pitchFamily="65" charset="-120"/>
                 <a:cs typeface="Times New Roman" panose="02020603050405020304" pitchFamily="18" charset="0"/>
               </a:rPr>
-              <a:t>real time monitor factory information</a:t>
+              <a:t>See the history data.</a:t>
             </a:r>
           </a:p>
           <a:p>
@@ -8556,18 +8614,23 @@
                 <a:ea typeface="標楷體" panose="03000509000000000000" pitchFamily="65" charset="-120"/>
                 <a:cs typeface="Times New Roman" panose="02020603050405020304" pitchFamily="18" charset="0"/>
               </a:rPr>
-              <a:t>See the history data.</a:t>
-            </a:r>
-          </a:p>
-          <a:p>
-            <a:pPr lvl="1"/>
+              <a:t>S</a:t>
+            </a:r>
+            <a:r>
+              <a:rPr lang="en-US" altLang="zh-TW" dirty="0" smtClean="0">
+                <a:latin typeface="Times New Roman" panose="02020603050405020304" pitchFamily="18" charset="0"/>
+                <a:ea typeface="標楷體" panose="03000509000000000000" pitchFamily="65" charset="-120"/>
+                <a:cs typeface="Times New Roman" panose="02020603050405020304" pitchFamily="18" charset="0"/>
+              </a:rPr>
+              <a:t>how </a:t>
+            </a:r>
             <a:r>
               <a:rPr lang="en-US" altLang="zh-TW" dirty="0">
                 <a:latin typeface="Times New Roman" panose="02020603050405020304" pitchFamily="18" charset="0"/>
                 <a:ea typeface="標楷體" panose="03000509000000000000" pitchFamily="65" charset="-120"/>
                 <a:cs typeface="Times New Roman" panose="02020603050405020304" pitchFamily="18" charset="0"/>
               </a:rPr>
-              <a:t>show wrong message</a:t>
+              <a:t>wrong message</a:t>
             </a:r>
             <a:r>
               <a:rPr lang="en-US" altLang="zh-TW" dirty="0" smtClean="0">
@@ -8590,7 +8653,7 @@
                 <a:ea typeface="標楷體" panose="03000509000000000000" pitchFamily="65" charset="-120"/>
                 <a:cs typeface="Times New Roman" panose="02020603050405020304" pitchFamily="18" charset="0"/>
               </a:rPr>
-              <a:t>Real-time </a:t>
+              <a:t>Real-Time </a:t>
             </a:r>
             <a:r>
               <a:rPr lang="en-US" altLang="zh-TW" dirty="0">
@@ -8641,7 +8704,7 @@
                 <a:ea typeface="標楷體" panose="03000509000000000000" pitchFamily="65" charset="-120"/>
                 <a:cs typeface="Times New Roman" panose="02020603050405020304" pitchFamily="18" charset="0"/>
               </a:rPr>
-              <a:t>:12-14 time/s</a:t>
+              <a:t>:12-14 time/s.</a:t>
             </a:r>
           </a:p>
           <a:p>
@@ -8660,7 +8723,7 @@
                 <a:ea typeface="標楷體" panose="03000509000000000000" pitchFamily="65" charset="-120"/>
                 <a:cs typeface="Times New Roman" panose="02020603050405020304" pitchFamily="18" charset="0"/>
               </a:rPr>
-              <a:t>time</a:t>
+              <a:t>time.</a:t>
             </a:r>
           </a:p>
           <a:p>
@@ -8671,7 +8734,7 @@
                 <a:ea typeface="標楷體" panose="03000509000000000000" pitchFamily="65" charset="-120"/>
                 <a:cs typeface="Times New Roman" panose="02020603050405020304" pitchFamily="18" charset="0"/>
               </a:rPr>
-              <a:t>Total:3.3-3.9Mbps</a:t>
+              <a:t>Total:3.3-3.9Mbps.</a:t>
             </a:r>
           </a:p>
           <a:p>
@@ -8690,18 +8753,24 @@
                 <a:ea typeface="標楷體" panose="03000509000000000000" pitchFamily="65" charset="-120"/>
                 <a:cs typeface="Times New Roman" panose="02020603050405020304" pitchFamily="18" charset="0"/>
               </a:rPr>
-              <a:t>speed:24Mbps</a:t>
+              <a:t>speed:24Mbps.</a:t>
             </a:r>
           </a:p>
           <a:p>
             <a:pPr lvl="1"/>
             <a:r>
-              <a:rPr lang="en-US" altLang="zh-TW" dirty="0"/>
-              <a:t>achieves </a:t>
-            </a:r>
-            <a:r>
-              <a:rPr lang="en-US" altLang="zh-TW" dirty="0" smtClean="0"/>
-              <a:t>purpose of real time monitor</a:t>
+              <a:rPr lang="en-US" altLang="zh-TW" dirty="0">
+                <a:latin typeface="Times New Roman" panose="02020603050405020304" pitchFamily="18" charset="0"/>
+                <a:cs typeface="Times New Roman" panose="02020603050405020304" pitchFamily="18" charset="0"/>
+              </a:rPr>
+              <a:t>A</a:t>
+            </a:r>
+            <a:r>
+              <a:rPr lang="en-US" altLang="zh-TW" dirty="0" smtClean="0">
+                <a:latin typeface="Times New Roman" panose="02020603050405020304" pitchFamily="18" charset="0"/>
+                <a:cs typeface="Times New Roman" panose="02020603050405020304" pitchFamily="18" charset="0"/>
+              </a:rPr>
+              <a:t>chieves purpose of real time monitor.</a:t>
             </a:r>
             <a:r>
               <a:rPr lang="en-US" altLang="zh-TW" dirty="0" smtClean="0">
@@ -8750,7 +8819,7 @@
         <p:grpSpPr>
           <a:xfrm>
             <a:off x="7082972" y="1943781"/>
-            <a:ext cx="4118427" cy="4115026"/>
+            <a:ext cx="4643807" cy="4115026"/>
             <a:chOff x="5109029" y="1690688"/>
             <a:chExt cx="4118427" cy="4115026"/>
           </a:xfrm>
@@ -8965,8 +9034,8 @@
           </p:nvSpPr>
           <p:spPr>
             <a:xfrm>
-              <a:off x="5450183" y="4483030"/>
-              <a:ext cx="1531118" cy="749149"/>
+              <a:off x="5450182" y="4483030"/>
+              <a:ext cx="1687645" cy="814445"/>
             </a:xfrm>
             <a:prstGeom prst="rect">
               <a:avLst/>
@@ -8995,7 +9064,19 @@
               <a:pPr algn="ctr"/>
               <a:r>
                 <a:rPr lang="en-US" altLang="zh-TW" dirty="0"/>
-                <a:t>Historical production report</a:t>
+                <a:t>Historical </a:t>
+              </a:r>
+              <a:r>
+                <a:rPr lang="en-US" altLang="zh-TW" dirty="0" smtClean="0"/>
+                <a:t>Production </a:t>
+              </a:r>
+              <a:r>
+                <a:rPr lang="en-US" altLang="zh-TW" dirty="0"/>
+                <a:t>R</a:t>
+              </a:r>
+              <a:r>
+                <a:rPr lang="en-US" altLang="zh-TW" dirty="0" smtClean="0"/>
+                <a:t>eport</a:t>
               </a:r>
               <a:endParaRPr lang="zh-TW" altLang="en-US" dirty="0"/>
             </a:p>
@@ -9060,7 +9141,7 @@
           </p:nvSpPr>
           <p:spPr>
             <a:xfrm>
-              <a:off x="7278914" y="3300635"/>
+              <a:off x="7583713" y="3330791"/>
               <a:ext cx="1146629" cy="609600"/>
             </a:xfrm>
             <a:prstGeom prst="rect">
@@ -9134,8 +9215,8 @@
           </p:nvSpPr>
           <p:spPr>
             <a:xfrm>
-              <a:off x="7542264" y="4543960"/>
-              <a:ext cx="885234" cy="627290"/>
+              <a:off x="7740024" y="4496295"/>
+              <a:ext cx="1186119" cy="801179"/>
             </a:xfrm>
             <a:prstGeom prst="rect">
               <a:avLst/>
@@ -9171,6 +9252,288 @@
           </p:txBody>
         </p:sp>
       </p:grpSp>
+      <p:cxnSp>
+        <p:nvCxnSpPr>
+          <p:cNvPr id="7" name="直線單箭頭接點 6"/>
+          <p:cNvCxnSpPr>
+            <a:endCxn id="10" idx="2"/>
+          </p:cNvCxnSpPr>
+          <p:nvPr/>
+        </p:nvCxnSpPr>
+        <p:spPr>
+          <a:xfrm flipH="1" flipV="1">
+            <a:off x="7897329" y="2882306"/>
+            <a:ext cx="412482" cy="689850"/>
+          </a:xfrm>
+          <a:prstGeom prst="straightConnector1">
+            <a:avLst/>
+          </a:prstGeom>
+          <a:ln>
+            <a:tailEnd type="triangle"/>
+          </a:ln>
+        </p:spPr>
+        <p:style>
+          <a:lnRef idx="1">
+            <a:schemeClr val="accent4"/>
+          </a:lnRef>
+          <a:fillRef idx="0">
+            <a:schemeClr val="accent4"/>
+          </a:fillRef>
+          <a:effectRef idx="0">
+            <a:schemeClr val="accent4"/>
+          </a:effectRef>
+          <a:fontRef idx="minor">
+            <a:schemeClr val="tx1"/>
+          </a:fontRef>
+        </p:style>
+      </p:cxnSp>
+      <p:cxnSp>
+        <p:nvCxnSpPr>
+          <p:cNvPr id="16" name="直線單箭頭接點 15"/>
+          <p:cNvCxnSpPr>
+            <a:endCxn id="6" idx="2"/>
+          </p:cNvCxnSpPr>
+          <p:nvPr/>
+        </p:nvCxnSpPr>
+        <p:spPr>
+          <a:xfrm flipV="1">
+            <a:off x="8341895" y="2856193"/>
+            <a:ext cx="1061253" cy="673070"/>
+          </a:xfrm>
+          <a:prstGeom prst="straightConnector1">
+            <a:avLst/>
+          </a:prstGeom>
+          <a:ln>
+            <a:tailEnd type="triangle"/>
+          </a:ln>
+        </p:spPr>
+        <p:style>
+          <a:lnRef idx="1">
+            <a:schemeClr val="accent4"/>
+          </a:lnRef>
+          <a:fillRef idx="0">
+            <a:schemeClr val="accent4"/>
+          </a:fillRef>
+          <a:effectRef idx="0">
+            <a:schemeClr val="accent4"/>
+          </a:effectRef>
+          <a:fontRef idx="minor">
+            <a:schemeClr val="tx1"/>
+          </a:fontRef>
+        </p:style>
+      </p:cxnSp>
+      <p:cxnSp>
+        <p:nvCxnSpPr>
+          <p:cNvPr id="18" name="直線單箭頭接點 17"/>
+          <p:cNvCxnSpPr>
+            <a:endCxn id="8" idx="2"/>
+          </p:cNvCxnSpPr>
+          <p:nvPr/>
+        </p:nvCxnSpPr>
+        <p:spPr>
+          <a:xfrm flipV="1">
+            <a:off x="8309811" y="2856193"/>
+            <a:ext cx="2514962" cy="715963"/>
+          </a:xfrm>
+          <a:prstGeom prst="straightConnector1">
+            <a:avLst/>
+          </a:prstGeom>
+          <a:ln>
+            <a:tailEnd type="triangle"/>
+          </a:ln>
+        </p:spPr>
+        <p:style>
+          <a:lnRef idx="1">
+            <a:schemeClr val="accent4"/>
+          </a:lnRef>
+          <a:fillRef idx="0">
+            <a:schemeClr val="accent4"/>
+          </a:fillRef>
+          <a:effectRef idx="0">
+            <a:schemeClr val="accent4"/>
+          </a:effectRef>
+          <a:fontRef idx="minor">
+            <a:schemeClr val="tx1"/>
+          </a:fontRef>
+        </p:style>
+      </p:cxnSp>
+      <p:cxnSp>
+        <p:nvCxnSpPr>
+          <p:cNvPr id="20" name="直線單箭頭接點 19"/>
+          <p:cNvCxnSpPr>
+            <a:stCxn id="5" idx="2"/>
+            <a:endCxn id="9" idx="0"/>
+          </p:cNvCxnSpPr>
+          <p:nvPr/>
+        </p:nvCxnSpPr>
+        <p:spPr>
+          <a:xfrm>
+            <a:off x="8330867" y="4181756"/>
+            <a:ext cx="88246" cy="554367"/>
+          </a:xfrm>
+          <a:prstGeom prst="straightConnector1">
+            <a:avLst/>
+          </a:prstGeom>
+          <a:ln>
+            <a:tailEnd type="triangle"/>
+          </a:ln>
+        </p:spPr>
+        <p:style>
+          <a:lnRef idx="1">
+            <a:schemeClr val="accent4"/>
+          </a:lnRef>
+          <a:fillRef idx="0">
+            <a:schemeClr val="accent4"/>
+          </a:fillRef>
+          <a:effectRef idx="0">
+            <a:schemeClr val="accent4"/>
+          </a:effectRef>
+          <a:fontRef idx="minor">
+            <a:schemeClr val="tx1"/>
+          </a:fontRef>
+        </p:style>
+      </p:cxnSp>
+      <p:cxnSp>
+        <p:nvCxnSpPr>
+          <p:cNvPr id="22" name="直線單箭頭接點 21"/>
+          <p:cNvCxnSpPr/>
+          <p:nvPr/>
+        </p:nvCxnSpPr>
+        <p:spPr>
+          <a:xfrm flipH="1" flipV="1">
+            <a:off x="7897329" y="2882306"/>
+            <a:ext cx="2642334" cy="689850"/>
+          </a:xfrm>
+          <a:prstGeom prst="straightConnector1">
+            <a:avLst/>
+          </a:prstGeom>
+          <a:ln>
+            <a:tailEnd type="triangle"/>
+          </a:ln>
+        </p:spPr>
+        <p:style>
+          <a:lnRef idx="1">
+            <a:schemeClr val="accent4"/>
+          </a:lnRef>
+          <a:fillRef idx="0">
+            <a:schemeClr val="accent4"/>
+          </a:fillRef>
+          <a:effectRef idx="0">
+            <a:schemeClr val="accent4"/>
+          </a:effectRef>
+          <a:fontRef idx="minor">
+            <a:schemeClr val="tx1"/>
+          </a:fontRef>
+        </p:style>
+      </p:cxnSp>
+      <p:cxnSp>
+        <p:nvCxnSpPr>
+          <p:cNvPr id="24" name="直線單箭頭接點 23"/>
+          <p:cNvCxnSpPr>
+            <a:stCxn id="11" idx="0"/>
+            <a:endCxn id="6" idx="2"/>
+          </p:cNvCxnSpPr>
+          <p:nvPr/>
+        </p:nvCxnSpPr>
+        <p:spPr>
+          <a:xfrm flipH="1" flipV="1">
+            <a:off x="9403148" y="2856193"/>
+            <a:ext cx="1116650" cy="727691"/>
+          </a:xfrm>
+          <a:prstGeom prst="straightConnector1">
+            <a:avLst/>
+          </a:prstGeom>
+          <a:ln>
+            <a:tailEnd type="triangle"/>
+          </a:ln>
+        </p:spPr>
+        <p:style>
+          <a:lnRef idx="1">
+            <a:schemeClr val="accent4"/>
+          </a:lnRef>
+          <a:fillRef idx="0">
+            <a:schemeClr val="accent4"/>
+          </a:fillRef>
+          <a:effectRef idx="0">
+            <a:schemeClr val="accent4"/>
+          </a:effectRef>
+          <a:fontRef idx="minor">
+            <a:schemeClr val="tx1"/>
+          </a:fontRef>
+        </p:style>
+      </p:cxnSp>
+      <p:cxnSp>
+        <p:nvCxnSpPr>
+          <p:cNvPr id="26" name="直線單箭頭接點 25"/>
+          <p:cNvCxnSpPr>
+            <a:stCxn id="11" idx="0"/>
+            <a:endCxn id="8" idx="2"/>
+          </p:cNvCxnSpPr>
+          <p:nvPr/>
+        </p:nvCxnSpPr>
+        <p:spPr>
+          <a:xfrm flipV="1">
+            <a:off x="10519798" y="2856193"/>
+            <a:ext cx="304975" cy="727691"/>
+          </a:xfrm>
+          <a:prstGeom prst="straightConnector1">
+            <a:avLst/>
+          </a:prstGeom>
+          <a:ln>
+            <a:tailEnd type="triangle"/>
+          </a:ln>
+        </p:spPr>
+        <p:style>
+          <a:lnRef idx="1">
+            <a:schemeClr val="accent4"/>
+          </a:lnRef>
+          <a:fillRef idx="0">
+            <a:schemeClr val="accent4"/>
+          </a:fillRef>
+          <a:effectRef idx="0">
+            <a:schemeClr val="accent4"/>
+          </a:effectRef>
+          <a:fontRef idx="minor">
+            <a:schemeClr val="tx1"/>
+          </a:fontRef>
+        </p:style>
+      </p:cxnSp>
+      <p:cxnSp>
+        <p:nvCxnSpPr>
+          <p:cNvPr id="30" name="直線單箭頭接點 29"/>
+          <p:cNvCxnSpPr>
+            <a:stCxn id="11" idx="2"/>
+            <a:endCxn id="13" idx="0"/>
+          </p:cNvCxnSpPr>
+          <p:nvPr/>
+        </p:nvCxnSpPr>
+        <p:spPr>
+          <a:xfrm>
+            <a:off x="10519798" y="4193484"/>
+            <a:ext cx="198515" cy="555904"/>
+          </a:xfrm>
+          <a:prstGeom prst="straightConnector1">
+            <a:avLst/>
+          </a:prstGeom>
+          <a:ln>
+            <a:tailEnd type="triangle"/>
+          </a:ln>
+        </p:spPr>
+        <p:style>
+          <a:lnRef idx="1">
+            <a:schemeClr val="accent4"/>
+          </a:lnRef>
+          <a:fillRef idx="0">
+            <a:schemeClr val="accent4"/>
+          </a:fillRef>
+          <a:effectRef idx="0">
+            <a:schemeClr val="accent4"/>
+          </a:effectRef>
+          <a:fontRef idx="minor">
+            <a:schemeClr val="tx1"/>
+          </a:fontRef>
+        </p:style>
+      </p:cxnSp>
     </p:spTree>
     <p:extLst>
       <p:ext uri="{BB962C8B-B14F-4D97-AF65-F5344CB8AC3E}">

--- a/期末報告_英文.pptx
+++ b/期末報告_英文.pptx
@@ -123,7 +123,7 @@
   </p:defaultTextStyle>
   <p:extLst>
     <p:ext uri="{EFAFB233-063F-42B5-8137-9DF3F51BA10A}">
-      <p15:sldGuideLst xmlns="" xmlns:p15="http://schemas.microsoft.com/office/powerpoint/2012/main">
+      <p15:sldGuideLst xmlns:p15="http://schemas.microsoft.com/office/powerpoint/2012/main" xmlns="">
         <p15:guide id="1" orient="horz" pos="2160">
           <p15:clr>
             <a:srgbClr val="A4A3A4"/>
@@ -3925,7 +3925,7 @@
                 <a:latin typeface="標楷體" panose="03000509000000000000" pitchFamily="65" charset="-120"/>
                 <a:ea typeface="標楷體" panose="03000509000000000000" pitchFamily="65" charset="-120"/>
               </a:rPr>
-              <a:t>:</a:t>
+              <a:t>:107368505 </a:t>
             </a:r>
             <a:r>
               <a:rPr lang="zh-TW" altLang="en-US" dirty="0" smtClean="0">
@@ -4113,15 +4113,7 @@
                 <a:ea typeface="標楷體" panose="03000509000000000000" pitchFamily="65" charset="-120"/>
                 <a:cs typeface="Times New Roman" panose="02020603050405020304" pitchFamily="18" charset="0"/>
               </a:rPr>
-              <a:t>propose the </a:t>
-            </a:r>
-            <a:r>
-              <a:rPr lang="en-US" altLang="zh-TW" sz="2600" dirty="0">
-                <a:latin typeface="Times New Roman" panose="02020603050405020304" pitchFamily="18" charset="0"/>
-                <a:ea typeface="標楷體" panose="03000509000000000000" pitchFamily="65" charset="-120"/>
-                <a:cs typeface="Times New Roman" panose="02020603050405020304" pitchFamily="18" charset="0"/>
-              </a:rPr>
-              <a:t>"Machine Real-Time Monitoring System Base On OPC UA" </a:t>
+              <a:t>propose the "Machine Real-Time Monitoring System Base On OPC UA" </a:t>
             </a:r>
             <a:r>
               <a:rPr lang="en-US" altLang="zh-TW" sz="2600" dirty="0" smtClean="0">
@@ -4710,14 +4702,7 @@
                 <a:latin typeface="Times New Roman" pitchFamily="18" charset="0"/>
                 <a:cs typeface="Times New Roman" pitchFamily="18" charset="0"/>
               </a:rPr>
-              <a:t>Assist in </a:t>
-            </a:r>
-            <a:r>
-              <a:rPr lang="en-US" altLang="zh-TW" sz="2600" dirty="0" smtClean="0">
-                <a:latin typeface="Times New Roman" pitchFamily="18" charset="0"/>
-                <a:cs typeface="Times New Roman" pitchFamily="18" charset="0"/>
-              </a:rPr>
-              <a:t>Upgrading Industries</a:t>
+              <a:t>Assist in Upgrading Industries</a:t>
             </a:r>
             <a:r>
               <a:rPr lang="en-US" altLang="zh-TW" sz="2600" dirty="0" smtClean="0">
@@ -5724,35 +5709,35 @@
                 <a:gridCol w="1392303">
                   <a:extLst>
                     <a:ext uri="{9D8B030D-6E8A-4147-A177-3AD203B41FA5}">
-                      <a16:colId xmlns="" xmlns:a16="http://schemas.microsoft.com/office/drawing/2014/main" val="2920368674"/>
+                      <a16:colId xmlns:a16="http://schemas.microsoft.com/office/drawing/2014/main" xmlns="" val="2920368674"/>
                     </a:ext>
                   </a:extLst>
                 </a:gridCol>
                 <a:gridCol w="1637621">
                   <a:extLst>
                     <a:ext uri="{9D8B030D-6E8A-4147-A177-3AD203B41FA5}">
-                      <a16:colId xmlns="" xmlns:a16="http://schemas.microsoft.com/office/drawing/2014/main" val="3881534218"/>
+                      <a16:colId xmlns:a16="http://schemas.microsoft.com/office/drawing/2014/main" xmlns="" val="3881534218"/>
                     </a:ext>
                   </a:extLst>
                 </a:gridCol>
                 <a:gridCol w="2149378">
                   <a:extLst>
                     <a:ext uri="{9D8B030D-6E8A-4147-A177-3AD203B41FA5}">
-                      <a16:colId xmlns="" xmlns:a16="http://schemas.microsoft.com/office/drawing/2014/main" val="4114780468"/>
+                      <a16:colId xmlns:a16="http://schemas.microsoft.com/office/drawing/2014/main" xmlns="" val="4114780468"/>
                     </a:ext>
                   </a:extLst>
                 </a:gridCol>
                 <a:gridCol w="2224843">
                   <a:extLst>
                     <a:ext uri="{9D8B030D-6E8A-4147-A177-3AD203B41FA5}">
-                      <a16:colId xmlns="" xmlns:a16="http://schemas.microsoft.com/office/drawing/2014/main" val="1611189798"/>
+                      <a16:colId xmlns:a16="http://schemas.microsoft.com/office/drawing/2014/main" xmlns="" val="1611189798"/>
                     </a:ext>
                   </a:extLst>
                 </a:gridCol>
                 <a:gridCol w="2285286">
                   <a:extLst>
                     <a:ext uri="{9D8B030D-6E8A-4147-A177-3AD203B41FA5}">
-                      <a16:colId xmlns="" xmlns:a16="http://schemas.microsoft.com/office/drawing/2014/main" val="4120165768"/>
+                      <a16:colId xmlns:a16="http://schemas.microsoft.com/office/drawing/2014/main" xmlns="" val="4120165768"/>
                     </a:ext>
                   </a:extLst>
                 </a:gridCol>
@@ -5914,7 +5899,7 @@
                 </a:tc>
                 <a:extLst>
                   <a:ext uri="{0D108BD9-81ED-4DB2-BD59-A6C34878D82A}">
-                    <a16:rowId xmlns="" xmlns:a16="http://schemas.microsoft.com/office/drawing/2014/main" val="317103563"/>
+                    <a16:rowId xmlns:a16="http://schemas.microsoft.com/office/drawing/2014/main" xmlns="" val="317103563"/>
                   </a:ext>
                 </a:extLst>
               </a:tr>
@@ -6120,7 +6105,7 @@
                 </a:tc>
                 <a:extLst>
                   <a:ext uri="{0D108BD9-81ED-4DB2-BD59-A6C34878D82A}">
-                    <a16:rowId xmlns="" xmlns:a16="http://schemas.microsoft.com/office/drawing/2014/main" val="3698880496"/>
+                    <a16:rowId xmlns:a16="http://schemas.microsoft.com/office/drawing/2014/main" xmlns="" val="3698880496"/>
                   </a:ext>
                 </a:extLst>
               </a:tr>
@@ -6348,7 +6333,7 @@
                 </a:tc>
                 <a:extLst>
                   <a:ext uri="{0D108BD9-81ED-4DB2-BD59-A6C34878D82A}">
-                    <a16:rowId xmlns="" xmlns:a16="http://schemas.microsoft.com/office/drawing/2014/main" val="3529843316"/>
+                    <a16:rowId xmlns:a16="http://schemas.microsoft.com/office/drawing/2014/main" xmlns="" val="3529843316"/>
                   </a:ext>
                 </a:extLst>
               </a:tr>
@@ -6500,7 +6485,7 @@
                 </a:tc>
                 <a:extLst>
                   <a:ext uri="{0D108BD9-81ED-4DB2-BD59-A6C34878D82A}">
-                    <a16:rowId xmlns="" xmlns:a16="http://schemas.microsoft.com/office/drawing/2014/main" val="777730682"/>
+                    <a16:rowId xmlns:a16="http://schemas.microsoft.com/office/drawing/2014/main" xmlns="" val="777730682"/>
                   </a:ext>
                 </a:extLst>
               </a:tr>
@@ -6652,7 +6637,7 @@
                 </a:tc>
                 <a:extLst>
                   <a:ext uri="{0D108BD9-81ED-4DB2-BD59-A6C34878D82A}">
-                    <a16:rowId xmlns="" xmlns:a16="http://schemas.microsoft.com/office/drawing/2014/main" val="756121212"/>
+                    <a16:rowId xmlns:a16="http://schemas.microsoft.com/office/drawing/2014/main" xmlns="" val="756121212"/>
                   </a:ext>
                 </a:extLst>
               </a:tr>
@@ -6804,7 +6789,7 @@
                 </a:tc>
                 <a:extLst>
                   <a:ext uri="{0D108BD9-81ED-4DB2-BD59-A6C34878D82A}">
-                    <a16:rowId xmlns="" xmlns:a16="http://schemas.microsoft.com/office/drawing/2014/main" val="3080252995"/>
+                    <a16:rowId xmlns:a16="http://schemas.microsoft.com/office/drawing/2014/main" xmlns="" val="3080252995"/>
                   </a:ext>
                 </a:extLst>
               </a:tr>
@@ -6956,7 +6941,7 @@
                 </a:tc>
                 <a:extLst>
                   <a:ext uri="{0D108BD9-81ED-4DB2-BD59-A6C34878D82A}">
-                    <a16:rowId xmlns="" xmlns:a16="http://schemas.microsoft.com/office/drawing/2014/main" val="3286811203"/>
+                    <a16:rowId xmlns:a16="http://schemas.microsoft.com/office/drawing/2014/main" xmlns="" val="3286811203"/>
                   </a:ext>
                 </a:extLst>
               </a:tr>
@@ -7108,7 +7093,7 @@
                 </a:tc>
                 <a:extLst>
                   <a:ext uri="{0D108BD9-81ED-4DB2-BD59-A6C34878D82A}">
-                    <a16:rowId xmlns="" xmlns:a16="http://schemas.microsoft.com/office/drawing/2014/main" val="3103053875"/>
+                    <a16:rowId xmlns:a16="http://schemas.microsoft.com/office/drawing/2014/main" xmlns="" val="3103053875"/>
                   </a:ext>
                 </a:extLst>
               </a:tr>
@@ -9802,7 +9787,7 @@
   <a:extraClrSchemeLst/>
   <a:extLst>
     <a:ext uri="{05A4C25C-085E-4340-85A3-A5531E510DB2}">
-      <thm15:themeFamily xmlns="" xmlns:thm15="http://schemas.microsoft.com/office/thememl/2012/main" name="Office Theme" id="{62F939B6-93AF-4DB8-9C6B-D6C7DFDC589F}" vid="{4A3C46E8-61CC-4603-A589-7422A47A8E4A}"/>
+      <thm15:themeFamily xmlns:thm15="http://schemas.microsoft.com/office/thememl/2012/main" xmlns="" name="Office Theme" id="{62F939B6-93AF-4DB8-9C6B-D6C7DFDC589F}" vid="{4A3C46E8-61CC-4603-A589-7422A47A8E4A}"/>
     </a:ext>
   </a:extLst>
 </a:theme>
@@ -10063,7 +10048,7 @@
   <a:extraClrSchemeLst/>
   <a:extLst>
     <a:ext uri="{05A4C25C-085E-4340-85A3-A5531E510DB2}">
-      <thm15:themeFamily xmlns="" xmlns:thm15="http://schemas.microsoft.com/office/thememl/2012/main" name="Office Theme" id="{62F939B6-93AF-4DB8-9C6B-D6C7DFDC589F}" vid="{4A3C46E8-61CC-4603-A589-7422A47A8E4A}"/>
+      <thm15:themeFamily xmlns:thm15="http://schemas.microsoft.com/office/thememl/2012/main" xmlns="" name="Office Theme" id="{62F939B6-93AF-4DB8-9C6B-D6C7DFDC589F}" vid="{4A3C46E8-61CC-4603-A589-7422A47A8E4A}"/>
     </a:ext>
   </a:extLst>
 </a:theme>
